--- a/Projet 3 - recomm. de films/Presentation-projet_3.pptx
+++ b/Projet 3 - recomm. de films/Presentation-projet_3.pptx
@@ -5,7 +5,7 @@
     <p:sldMasterId id="2147483648" r:id="rId1"/>
   </p:sldMasterIdLst>
   <p:notesMasterIdLst>
-    <p:notesMasterId r:id="rId13"/>
+    <p:notesMasterId r:id="rId20"/>
   </p:notesMasterIdLst>
   <p:sldIdLst>
     <p:sldId id="256" r:id="rId2"/>
@@ -16,9 +16,16 @@
     <p:sldId id="266" r:id="rId7"/>
     <p:sldId id="267" r:id="rId8"/>
     <p:sldId id="268" r:id="rId9"/>
-    <p:sldId id="269" r:id="rId10"/>
-    <p:sldId id="270" r:id="rId11"/>
-    <p:sldId id="271" r:id="rId12"/>
+    <p:sldId id="272" r:id="rId10"/>
+    <p:sldId id="273" r:id="rId11"/>
+    <p:sldId id="269" r:id="rId12"/>
+    <p:sldId id="275" r:id="rId13"/>
+    <p:sldId id="270" r:id="rId14"/>
+    <p:sldId id="276" r:id="rId15"/>
+    <p:sldId id="271" r:id="rId16"/>
+    <p:sldId id="277" r:id="rId17"/>
+    <p:sldId id="278" r:id="rId18"/>
+    <p:sldId id="279" r:id="rId19"/>
   </p:sldIdLst>
   <p:sldSz cx="9144000" cy="6858000" type="screen4x3"/>
   <p:notesSz cx="6858000" cy="9144000"/>
@@ -3686,25 +3693,7 @@
                 </a:solidFill>
                 <a:latin typeface="Lato" pitchFamily="34" charset="0"/>
               </a:rPr>
-              <a:t>Projet </a:t>
-            </a:r>
-            <a:r>
-              <a:rPr lang="fr-FR" dirty="0" smtClean="0">
-                <a:solidFill>
-                  <a:srgbClr val="E8750C"/>
-                </a:solidFill>
-                <a:latin typeface="Lato" pitchFamily="34" charset="0"/>
-              </a:rPr>
-              <a:t>3 </a:t>
-            </a:r>
-            <a:r>
-              <a:rPr lang="fr-FR" dirty="0" smtClean="0">
-                <a:solidFill>
-                  <a:srgbClr val="E8750C"/>
-                </a:solidFill>
-                <a:latin typeface="Lato" pitchFamily="34" charset="0"/>
-              </a:rPr>
-              <a:t>:</a:t>
+              <a:t>Projet 3 :</a:t>
             </a:r>
           </a:p>
           <a:p>
@@ -4031,14 +4020,14 @@
               <a:buChar char="Ø"/>
             </a:pPr>
             <a:r>
-              <a:rPr lang="fr-FR" dirty="0" smtClean="0">
-                <a:solidFill>
-                  <a:srgbClr val="E8750C"/>
-                </a:solidFill>
-              </a:rPr>
-              <a:t>TSNE</a:t>
-            </a:r>
-            <a:endParaRPr lang="fr-FR" dirty="0">
+              <a:rPr lang="fr-FR" sz="2800" dirty="0" err="1" smtClean="0">
+                <a:solidFill>
+                  <a:srgbClr val="E8750C"/>
+                </a:solidFill>
+              </a:rPr>
+              <a:t>AgglomerativeClustering</a:t>
+            </a:r>
+            <a:endParaRPr lang="fr-FR" sz="2800" dirty="0" smtClean="0">
               <a:solidFill>
                 <a:srgbClr val="E8750C"/>
               </a:solidFill>
@@ -4050,13 +4039,114 @@
               <a:buChar char="Ø"/>
             </a:pPr>
             <a:r>
-              <a:rPr lang="fr-FR" dirty="0" smtClean="0">
-                <a:solidFill>
-                  <a:srgbClr val="E8750C"/>
-                </a:solidFill>
-              </a:rPr>
-              <a:t>a</a:t>
-            </a:r>
+              <a:rPr lang="fr-FR" sz="2400" dirty="0" smtClean="0">
+                <a:solidFill>
+                  <a:srgbClr val="E8750C"/>
+                </a:solidFill>
+              </a:rPr>
+              <a:t>Groupe « </a:t>
+            </a:r>
+            <a:r>
+              <a:rPr lang="fr-FR" sz="2400" dirty="0" err="1" smtClean="0">
+                <a:solidFill>
+                  <a:srgbClr val="E8750C"/>
+                </a:solidFill>
+              </a:rPr>
+              <a:t>Clustering</a:t>
+            </a:r>
+            <a:r>
+              <a:rPr lang="fr-FR" sz="2400" dirty="0" smtClean="0">
+                <a:solidFill>
+                  <a:srgbClr val="E8750C"/>
+                </a:solidFill>
+              </a:rPr>
+              <a:t> »</a:t>
+            </a:r>
+          </a:p>
+          <a:p>
+            <a:pPr lvl="1">
+              <a:buFont typeface="Wingdings" pitchFamily="2" charset="2"/>
+              <a:buChar char="Ø"/>
+            </a:pPr>
+            <a:r>
+              <a:rPr lang="fr-FR" sz="2400" dirty="0">
+                <a:solidFill>
+                  <a:srgbClr val="E8750C"/>
+                </a:solidFill>
+              </a:rPr>
+              <a:t>Nombre de clusters </a:t>
+            </a:r>
+            <a:r>
+              <a:rPr lang="fr-FR" sz="2400" dirty="0" smtClean="0">
+                <a:solidFill>
+                  <a:srgbClr val="E8750C"/>
+                </a:solidFill>
+              </a:rPr>
+              <a:t>inconnus</a:t>
+            </a:r>
+          </a:p>
+          <a:p>
+            <a:pPr lvl="2">
+              <a:buFont typeface="Wingdings" pitchFamily="2" charset="2"/>
+              <a:buChar char="Ø"/>
+            </a:pPr>
+            <a:r>
+              <a:rPr lang="fr-FR" sz="2000" dirty="0">
+                <a:solidFill>
+                  <a:srgbClr val="E8750C"/>
+                </a:solidFill>
+              </a:rPr>
+              <a:t>A fournir</a:t>
+            </a:r>
+          </a:p>
+          <a:p>
+            <a:pPr lvl="1">
+              <a:buFont typeface="Wingdings" pitchFamily="2" charset="2"/>
+              <a:buChar char="Ø"/>
+            </a:pPr>
+            <a:r>
+              <a:rPr lang="fr-FR" sz="2400" dirty="0" smtClean="0">
+                <a:solidFill>
+                  <a:srgbClr val="E8750C"/>
+                </a:solidFill>
+              </a:rPr>
+              <a:t>Ne </a:t>
+            </a:r>
+            <a:r>
+              <a:rPr lang="fr-FR" sz="2400" dirty="0">
+                <a:solidFill>
+                  <a:srgbClr val="E8750C"/>
+                </a:solidFill>
+              </a:rPr>
+              <a:t>retourne pas de positions</a:t>
+            </a:r>
+          </a:p>
+          <a:p>
+            <a:pPr lvl="2">
+              <a:buFont typeface="Wingdings" pitchFamily="2" charset="2"/>
+              <a:buChar char="Ø"/>
+            </a:pPr>
+            <a:r>
+              <a:rPr lang="fr-FR" sz="2000" dirty="0">
+                <a:solidFill>
+                  <a:srgbClr val="E8750C"/>
+                </a:solidFill>
+              </a:rPr>
+              <a:t>Recommander </a:t>
+            </a:r>
+            <a:r>
+              <a:rPr lang="fr-FR" sz="2000" dirty="0" smtClean="0">
+                <a:solidFill>
+                  <a:srgbClr val="E8750C"/>
+                </a:solidFill>
+              </a:rPr>
+              <a:t>impossible</a:t>
+            </a:r>
+            <a:endParaRPr lang="fr-FR" sz="2000" dirty="0">
+              <a:solidFill>
+                <a:srgbClr val="E8750C"/>
+              </a:solidFill>
+            </a:endParaRPr>
           </a:p>
         </p:txBody>
       </p:sp>
@@ -4077,7 +4167,7 @@
           <a:p>
             <a:fld id="{30547005-2CCE-4AAF-810C-C33FB4661996}" type="datetime1">
               <a:rPr lang="fr-FR" smtClean="0"/>
-              <a:t>18/11/2017</a:t>
+              <a:t>19/11/2017</a:t>
             </a:fld>
             <a:endParaRPr lang="fr-FR"/>
           </a:p>
@@ -4103,13 +4193,252 @@
               <a:t>MINE Nicolas</a:t>
             </a:r>
             <a:endParaRPr lang="fr-FR" dirty="0"/>
+          </a:p>
+        </p:txBody>
+      </p:sp>
+      <p:sp>
+        <p:nvSpPr>
+          <p:cNvPr id="6" name="ZoneTexte 5"/>
+          <p:cNvSpPr txBox="1"/>
+          <p:nvPr/>
+        </p:nvSpPr>
+        <p:spPr>
+          <a:xfrm>
+            <a:off x="5436096" y="1610791"/>
+            <a:ext cx="3707904" cy="4770537"/>
+          </a:xfrm>
+          <a:prstGeom prst="rect">
+            <a:avLst/>
+          </a:prstGeom>
+          <a:noFill/>
+        </p:spPr>
+        <p:txBody>
+          <a:bodyPr wrap="square" rtlCol="0">
+            <a:spAutoFit/>
+          </a:bodyPr>
+          <a:lstStyle/>
+          <a:p>
+            <a:r>
+              <a:rPr lang="fr-FR" sz="1600" b="1" dirty="0"/>
+              <a:t>Entrée : </a:t>
+            </a:r>
+            <a:endParaRPr lang="fr-FR" sz="1600" b="1" dirty="0" smtClean="0"/>
+          </a:p>
+          <a:p>
+            <a:pPr marL="285750" indent="-285750">
+              <a:buFont typeface="Wingdings" pitchFamily="2" charset="2"/>
+              <a:buChar char="Ø"/>
+            </a:pPr>
+            <a:r>
+              <a:rPr lang="fr-FR" sz="1600" dirty="0" smtClean="0"/>
+              <a:t>Cluster #9</a:t>
+            </a:r>
+          </a:p>
+          <a:p>
+            <a:r>
+              <a:rPr lang="fr-FR" sz="1600" b="1" dirty="0" smtClean="0"/>
+              <a:t>Sortie (238 films) :</a:t>
+            </a:r>
+          </a:p>
+          <a:p>
+            <a:pPr marL="285750" indent="-285750">
+              <a:buFont typeface="Wingdings" pitchFamily="2" charset="2"/>
+              <a:buChar char="Ø"/>
+            </a:pPr>
+            <a:r>
+              <a:rPr lang="en-US" sz="1600" dirty="0"/>
+              <a:t>Avatar </a:t>
+            </a:r>
+            <a:endParaRPr lang="en-US" sz="1600" dirty="0" smtClean="0"/>
+          </a:p>
+          <a:p>
+            <a:pPr marL="285750" indent="-285750">
+              <a:buFont typeface="Wingdings" pitchFamily="2" charset="2"/>
+              <a:buChar char="Ø"/>
+            </a:pPr>
+            <a:r>
+              <a:rPr lang="en-US" sz="1600" dirty="0" smtClean="0"/>
+              <a:t>Pirates </a:t>
+            </a:r>
+            <a:r>
+              <a:rPr lang="en-US" sz="1600" dirty="0"/>
+              <a:t>of the Caribbean: At World's </a:t>
+            </a:r>
+            <a:r>
+              <a:rPr lang="en-US" sz="1600" dirty="0" smtClean="0"/>
+              <a:t>End</a:t>
+            </a:r>
+          </a:p>
+          <a:p>
+            <a:pPr marL="285750" indent="-285750">
+              <a:buFont typeface="Wingdings" pitchFamily="2" charset="2"/>
+              <a:buChar char="Ø"/>
+            </a:pPr>
+            <a:r>
+              <a:rPr lang="en-US" sz="1600" dirty="0" smtClean="0"/>
+              <a:t>John </a:t>
+            </a:r>
+            <a:r>
+              <a:rPr lang="en-US" sz="1600" dirty="0"/>
+              <a:t>Carter </a:t>
+            </a:r>
+            <a:endParaRPr lang="en-US" sz="1600" dirty="0" smtClean="0"/>
+          </a:p>
+          <a:p>
+            <a:pPr marL="285750" indent="-285750">
+              <a:buFont typeface="Wingdings" pitchFamily="2" charset="2"/>
+              <a:buChar char="Ø"/>
+            </a:pPr>
+            <a:r>
+              <a:rPr lang="en-US" sz="1600" dirty="0" smtClean="0"/>
+              <a:t>Spider-Man 3</a:t>
+            </a:r>
+          </a:p>
+          <a:p>
+            <a:pPr marL="285750" indent="-285750">
+              <a:buFont typeface="Wingdings" pitchFamily="2" charset="2"/>
+              <a:buChar char="Ø"/>
+            </a:pPr>
+            <a:r>
+              <a:rPr lang="en-US" sz="1600" dirty="0" smtClean="0"/>
+              <a:t>Avengers</a:t>
+            </a:r>
+            <a:r>
+              <a:rPr lang="en-US" sz="1600" dirty="0"/>
+              <a:t>: Age of </a:t>
+            </a:r>
+            <a:r>
+              <a:rPr lang="en-US" sz="1600" dirty="0" err="1"/>
+              <a:t>Ultron</a:t>
+            </a:r>
+            <a:r>
+              <a:rPr lang="en-US" sz="1600" dirty="0"/>
+              <a:t> </a:t>
+            </a:r>
+            <a:endParaRPr lang="en-US" sz="1600" dirty="0" smtClean="0"/>
+          </a:p>
+          <a:p>
+            <a:pPr marL="285750" indent="-285750">
+              <a:buFont typeface="Wingdings" pitchFamily="2" charset="2"/>
+              <a:buChar char="Ø"/>
+            </a:pPr>
+            <a:r>
+              <a:rPr lang="en-US" sz="1600" dirty="0" smtClean="0"/>
+              <a:t>Batman </a:t>
+            </a:r>
+            <a:r>
+              <a:rPr lang="en-US" sz="1600" dirty="0"/>
+              <a:t>v Superman: Dawn of Justice  </a:t>
+            </a:r>
+            <a:endParaRPr lang="en-US" sz="1600" dirty="0" smtClean="0"/>
+          </a:p>
+          <a:p>
+            <a:pPr marL="285750" indent="-285750">
+              <a:buFont typeface="Wingdings" pitchFamily="2" charset="2"/>
+              <a:buChar char="Ø"/>
+            </a:pPr>
+            <a:r>
+              <a:rPr lang="en-US" sz="1600" dirty="0" smtClean="0"/>
+              <a:t>Superman </a:t>
+            </a:r>
+            <a:r>
+              <a:rPr lang="en-US" sz="1600" dirty="0"/>
+              <a:t>Returns  </a:t>
+            </a:r>
+            <a:endParaRPr lang="en-US" sz="1600" dirty="0" smtClean="0"/>
+          </a:p>
+          <a:p>
+            <a:pPr marL="285750" indent="-285750">
+              <a:buFont typeface="Wingdings" pitchFamily="2" charset="2"/>
+              <a:buChar char="Ø"/>
+            </a:pPr>
+            <a:r>
+              <a:rPr lang="en-US" sz="1600" dirty="0" smtClean="0"/>
+              <a:t>Quantum </a:t>
+            </a:r>
+            <a:r>
+              <a:rPr lang="en-US" sz="1600" dirty="0"/>
+              <a:t>of Solace  </a:t>
+            </a:r>
+            <a:endParaRPr lang="en-US" sz="1600" dirty="0" smtClean="0"/>
+          </a:p>
+          <a:p>
+            <a:pPr marL="285750" indent="-285750">
+              <a:buFont typeface="Wingdings" pitchFamily="2" charset="2"/>
+              <a:buChar char="Ø"/>
+            </a:pPr>
+            <a:r>
+              <a:rPr lang="en-US" sz="1600" dirty="0" smtClean="0"/>
+              <a:t>Pirates </a:t>
+            </a:r>
+            <a:r>
+              <a:rPr lang="en-US" sz="1600" dirty="0"/>
+              <a:t>of the Caribbean: Dead Man's Chest  </a:t>
+            </a:r>
+            <a:endParaRPr lang="en-US" sz="1600" dirty="0" smtClean="0"/>
+          </a:p>
+          <a:p>
+            <a:pPr marL="285750" indent="-285750">
+              <a:buFont typeface="Wingdings" pitchFamily="2" charset="2"/>
+              <a:buChar char="Ø"/>
+            </a:pPr>
+            <a:r>
+              <a:rPr lang="en-US" sz="1600" dirty="0" smtClean="0"/>
+              <a:t>The </a:t>
+            </a:r>
+            <a:r>
+              <a:rPr lang="en-US" sz="1600" dirty="0"/>
+              <a:t>Lone Ranger  </a:t>
+            </a:r>
+            <a:endParaRPr lang="en-US" sz="1600" dirty="0" smtClean="0"/>
+          </a:p>
+          <a:p>
+            <a:pPr marL="285750" indent="-285750">
+              <a:buFont typeface="Wingdings" pitchFamily="2" charset="2"/>
+              <a:buChar char="Ø"/>
+            </a:pPr>
+            <a:r>
+              <a:rPr lang="en-US" sz="1600" dirty="0" smtClean="0"/>
+              <a:t>Man </a:t>
+            </a:r>
+            <a:r>
+              <a:rPr lang="en-US" sz="1600" dirty="0"/>
+              <a:t>of Steel  </a:t>
+            </a:r>
+            <a:endParaRPr lang="en-US" sz="1600" dirty="0" smtClean="0"/>
+          </a:p>
+          <a:p>
+            <a:pPr marL="285750" indent="-285750">
+              <a:buFont typeface="Wingdings" pitchFamily="2" charset="2"/>
+              <a:buChar char="Ø"/>
+            </a:pPr>
+            <a:r>
+              <a:rPr lang="en-US" sz="1600" dirty="0" smtClean="0"/>
+              <a:t>The </a:t>
+            </a:r>
+            <a:r>
+              <a:rPr lang="en-US" sz="1600" dirty="0"/>
+              <a:t>Avengers </a:t>
+            </a:r>
+            <a:endParaRPr lang="en-US" sz="1600" dirty="0" smtClean="0"/>
+          </a:p>
+          <a:p>
+            <a:pPr marL="285750" indent="-285750">
+              <a:buFont typeface="Wingdings" pitchFamily="2" charset="2"/>
+              <a:buChar char="Ø"/>
+            </a:pPr>
+            <a:r>
+              <a:rPr lang="en-US" sz="1600" dirty="0" smtClean="0"/>
+              <a:t>…</a:t>
+            </a:r>
+            <a:endParaRPr lang="fr-FR" sz="1600" dirty="0"/>
           </a:p>
         </p:txBody>
       </p:sp>
     </p:spTree>
     <p:extLst>
       <p:ext uri="{BB962C8B-B14F-4D97-AF65-F5344CB8AC3E}">
-        <p14:creationId xmlns:p14="http://schemas.microsoft.com/office/powerpoint/2010/main" val="3931257705"/>
+        <p14:creationId xmlns:p14="http://schemas.microsoft.com/office/powerpoint/2010/main" val="923478364"/>
       </p:ext>
     </p:extLst>
   </p:cSld>
@@ -4192,110 +4521,2052 @@
               <a:buChar char="Ø"/>
             </a:pPr>
             <a:r>
-              <a:rPr lang="fr-FR" dirty="0" smtClean="0">
-                <a:solidFill>
-                  <a:srgbClr val="E8750C"/>
-                </a:solidFill>
-              </a:rPr>
-              <a:t>Non </a:t>
-            </a:r>
-            <a:r>
-              <a:rPr lang="fr-FR" dirty="0" err="1" smtClean="0">
-                <a:solidFill>
-                  <a:srgbClr val="E8750C"/>
-                </a:solidFill>
-              </a:rPr>
-              <a:t>evalués</a:t>
-            </a:r>
+              <a:rPr lang="fr-FR" sz="2800" dirty="0" err="1" smtClean="0">
+                <a:solidFill>
+                  <a:srgbClr val="E8750C"/>
+                </a:solidFill>
+              </a:rPr>
+              <a:t>Isomap</a:t>
+            </a:r>
+            <a:endParaRPr lang="fr-FR" sz="2800" dirty="0">
+              <a:solidFill>
+                <a:srgbClr val="E8750C"/>
+              </a:solidFill>
+            </a:endParaRPr>
+          </a:p>
+          <a:p>
+            <a:pPr lvl="1">
+              <a:buFont typeface="Wingdings" pitchFamily="2" charset="2"/>
+              <a:buChar char="Ø"/>
+            </a:pPr>
+            <a:r>
+              <a:rPr lang="fr-FR" sz="2400" dirty="0" smtClean="0">
+                <a:solidFill>
+                  <a:srgbClr val="E8750C"/>
+                </a:solidFill>
+              </a:rPr>
+              <a:t>Groupe « manifolds »</a:t>
+            </a:r>
+          </a:p>
+          <a:p>
+            <a:pPr lvl="1">
+              <a:buFont typeface="Wingdings" pitchFamily="2" charset="2"/>
+              <a:buChar char="Ø"/>
+            </a:pPr>
+            <a:r>
+              <a:rPr lang="fr-FR" sz="2400" dirty="0">
+                <a:solidFill>
+                  <a:srgbClr val="E8750C"/>
+                </a:solidFill>
+              </a:rPr>
+              <a:t>Nombre de clusters non </a:t>
+            </a:r>
+            <a:r>
+              <a:rPr lang="fr-FR" sz="2400" dirty="0" smtClean="0">
+                <a:solidFill>
+                  <a:srgbClr val="E8750C"/>
+                </a:solidFill>
+              </a:rPr>
+              <a:t>nécessaire</a:t>
+            </a:r>
+          </a:p>
+          <a:p>
+            <a:pPr lvl="1">
+              <a:buFont typeface="Wingdings" pitchFamily="2" charset="2"/>
+              <a:buChar char="Ø"/>
+            </a:pPr>
+            <a:r>
+              <a:rPr lang="fr-FR" sz="2400" dirty="0">
+                <a:solidFill>
+                  <a:srgbClr val="E8750C"/>
+                </a:solidFill>
+              </a:rPr>
+              <a:t>Retourne positions</a:t>
+            </a:r>
+          </a:p>
+          <a:p>
+            <a:pPr lvl="2">
+              <a:buFont typeface="Wingdings" pitchFamily="2" charset="2"/>
+              <a:buChar char="Ø"/>
+            </a:pPr>
+            <a:r>
+              <a:rPr lang="fr-FR" sz="2000" dirty="0">
+                <a:solidFill>
+                  <a:srgbClr val="E8750C"/>
+                </a:solidFill>
+              </a:rPr>
+              <a:t>Recommander </a:t>
+            </a:r>
+            <a:r>
+              <a:rPr lang="fr-FR" sz="2000" dirty="0" smtClean="0">
+                <a:solidFill>
+                  <a:srgbClr val="E8750C"/>
+                </a:solidFill>
+              </a:rPr>
+              <a:t>possible</a:t>
+            </a:r>
+          </a:p>
+          <a:p>
+            <a:pPr lvl="1">
+              <a:buFont typeface="Wingdings" pitchFamily="2" charset="2"/>
+              <a:buChar char="Ø"/>
+            </a:pPr>
             <a:endParaRPr lang="fr-FR" dirty="0">
               <a:solidFill>
                 <a:srgbClr val="E8750C"/>
               </a:solidFill>
             </a:endParaRPr>
           </a:p>
+        </p:txBody>
+      </p:sp>
+      <p:sp>
+        <p:nvSpPr>
+          <p:cNvPr id="4" name="Espace réservé de la date 3"/>
+          <p:cNvSpPr>
+            <a:spLocks noGrp="1"/>
+          </p:cNvSpPr>
+          <p:nvPr>
+            <p:ph type="dt" sz="half" idx="10"/>
+          </p:nvPr>
+        </p:nvSpPr>
+        <p:spPr/>
+        <p:txBody>
+          <a:bodyPr/>
+          <a:lstStyle/>
+          <a:p>
+            <a:fld id="{30547005-2CCE-4AAF-810C-C33FB4661996}" type="datetime1">
+              <a:rPr lang="fr-FR" smtClean="0"/>
+              <a:t>19/11/2017</a:t>
+            </a:fld>
+            <a:endParaRPr lang="fr-FR"/>
+          </a:p>
+        </p:txBody>
+      </p:sp>
+      <p:sp>
+        <p:nvSpPr>
+          <p:cNvPr id="5" name="Espace réservé du pied de page 4"/>
+          <p:cNvSpPr>
+            <a:spLocks noGrp="1"/>
+          </p:cNvSpPr>
+          <p:nvPr>
+            <p:ph type="ftr" sz="quarter" idx="11"/>
+          </p:nvPr>
+        </p:nvSpPr>
+        <p:spPr/>
+        <p:txBody>
+          <a:bodyPr/>
+          <a:lstStyle/>
+          <a:p>
+            <a:r>
+              <a:rPr lang="fr-FR" dirty="0" smtClean="0"/>
+              <a:t>MINE Nicolas</a:t>
+            </a:r>
+            <a:endParaRPr lang="fr-FR" dirty="0"/>
+          </a:p>
+        </p:txBody>
+      </p:sp>
+      <p:pic>
+        <p:nvPicPr>
+          <p:cNvPr id="2050" name="Picture 2" descr="F:\Nicolas\Documents\OpenClassRoom\Projet 3 - recomm. de films\isomap2d.png"/>
+          <p:cNvPicPr>
+            <a:picLocks noChangeAspect="1" noChangeArrowheads="1"/>
+          </p:cNvPicPr>
+          <p:nvPr/>
+        </p:nvPicPr>
+        <p:blipFill>
+          <a:blip r:embed="rId2">
+            <a:clrChange>
+              <a:clrFrom>
+                <a:srgbClr val="FFFFFF"/>
+              </a:clrFrom>
+              <a:clrTo>
+                <a:srgbClr val="FFFFFF">
+                  <a:alpha val="0"/>
+                </a:srgbClr>
+              </a:clrTo>
+            </a:clrChange>
+            <a:extLst>
+              <a:ext uri="{28A0092B-C50C-407E-A947-70E740481C1C}">
+                <a14:useLocalDpi xmlns:a14="http://schemas.microsoft.com/office/drawing/2010/main" val="0"/>
+              </a:ext>
+            </a:extLst>
+          </a:blip>
+          <a:srcRect/>
+          <a:stretch>
+            <a:fillRect/>
+          </a:stretch>
+        </p:blipFill>
+        <p:spPr bwMode="auto">
+          <a:xfrm>
+            <a:off x="5868144" y="1268760"/>
+            <a:ext cx="3168352" cy="2112540"/>
+          </a:xfrm>
+          <a:prstGeom prst="rect">
+            <a:avLst/>
+          </a:prstGeom>
+          <a:noFill/>
+          <a:extLst>
+            <a:ext uri="{909E8E84-426E-40DD-AFC4-6F175D3DCCD1}">
+              <a14:hiddenFill xmlns:a14="http://schemas.microsoft.com/office/drawing/2010/main">
+                <a:solidFill>
+                  <a:srgbClr val="FFFFFF"/>
+                </a:solidFill>
+              </a14:hiddenFill>
+            </a:ext>
+          </a:extLst>
+        </p:spPr>
+      </p:pic>
+      <p:pic>
+        <p:nvPicPr>
+          <p:cNvPr id="2051" name="Picture 3" descr="F:\Nicolas\Documents\OpenClassRoom\Projet 3 - recomm. de films\isomap3d.png"/>
+          <p:cNvPicPr>
+            <a:picLocks noChangeAspect="1" noChangeArrowheads="1"/>
+          </p:cNvPicPr>
+          <p:nvPr/>
+        </p:nvPicPr>
+        <p:blipFill>
+          <a:blip r:embed="rId3">
+            <a:clrChange>
+              <a:clrFrom>
+                <a:srgbClr val="FFFFFF"/>
+              </a:clrFrom>
+              <a:clrTo>
+                <a:srgbClr val="FFFFFF">
+                  <a:alpha val="0"/>
+                </a:srgbClr>
+              </a:clrTo>
+            </a:clrChange>
+            <a:extLst>
+              <a:ext uri="{28A0092B-C50C-407E-A947-70E740481C1C}">
+                <a14:useLocalDpi xmlns:a14="http://schemas.microsoft.com/office/drawing/2010/main" val="0"/>
+              </a:ext>
+            </a:extLst>
+          </a:blip>
+          <a:srcRect/>
+          <a:stretch>
+            <a:fillRect/>
+          </a:stretch>
+        </p:blipFill>
+        <p:spPr bwMode="auto">
+          <a:xfrm>
+            <a:off x="3923928" y="2633180"/>
+            <a:ext cx="5889972" cy="4530748"/>
+          </a:xfrm>
+          <a:prstGeom prst="rect">
+            <a:avLst/>
+          </a:prstGeom>
+          <a:noFill/>
+          <a:extLst>
+            <a:ext uri="{909E8E84-426E-40DD-AFC4-6F175D3DCCD1}">
+              <a14:hiddenFill xmlns:a14="http://schemas.microsoft.com/office/drawing/2010/main">
+                <a:solidFill>
+                  <a:srgbClr val="FFFFFF"/>
+                </a:solidFill>
+              </a14:hiddenFill>
+            </a:ext>
+          </a:extLst>
+        </p:spPr>
+      </p:pic>
+      <p:sp>
+        <p:nvSpPr>
+          <p:cNvPr id="8" name="ZoneTexte 7"/>
+          <p:cNvSpPr txBox="1"/>
+          <p:nvPr/>
+        </p:nvSpPr>
+        <p:spPr>
+          <a:xfrm>
+            <a:off x="539552" y="3933056"/>
+            <a:ext cx="4248472" cy="2092881"/>
+          </a:xfrm>
+          <a:prstGeom prst="rect">
+            <a:avLst/>
+          </a:prstGeom>
+          <a:noFill/>
+        </p:spPr>
+        <p:txBody>
+          <a:bodyPr wrap="square" rtlCol="0">
+            <a:spAutoFit/>
+          </a:bodyPr>
+          <a:lstStyle/>
+          <a:p>
+            <a:r>
+              <a:rPr lang="fr-FR" sz="1600" b="1" dirty="0"/>
+              <a:t>Entrée : </a:t>
+            </a:r>
+            <a:endParaRPr lang="fr-FR" sz="1600" b="1" dirty="0" smtClean="0"/>
+          </a:p>
+          <a:p>
+            <a:pPr marL="285750" indent="-285750">
+              <a:buFont typeface="Wingdings" pitchFamily="2" charset="2"/>
+              <a:buChar char="Ø"/>
+            </a:pPr>
+            <a:r>
+              <a:rPr lang="fr-FR" sz="1600" dirty="0" err="1" smtClean="0"/>
+              <a:t>Spider-Man</a:t>
+            </a:r>
+            <a:r>
+              <a:rPr lang="fr-FR" sz="1600" dirty="0" smtClean="0"/>
+              <a:t> 3</a:t>
+            </a:r>
+          </a:p>
+          <a:p>
+            <a:r>
+              <a:rPr lang="fr-FR" sz="1600" b="1" dirty="0" smtClean="0"/>
+              <a:t>Sortie :</a:t>
+            </a:r>
+          </a:p>
+          <a:p>
+            <a:pPr marL="285750" indent="-285750">
+              <a:buFont typeface="Wingdings" pitchFamily="2" charset="2"/>
+              <a:buChar char="Ø"/>
+            </a:pPr>
+            <a:r>
+              <a:rPr lang="fr-FR" sz="1600" dirty="0"/>
+              <a:t>Repo! The </a:t>
+            </a:r>
+            <a:r>
+              <a:rPr lang="fr-FR" sz="1600" dirty="0" err="1"/>
+              <a:t>Genetic</a:t>
+            </a:r>
+            <a:r>
+              <a:rPr lang="fr-FR" sz="1600" dirty="0"/>
+              <a:t> </a:t>
+            </a:r>
+            <a:r>
+              <a:rPr lang="fr-FR" sz="1600" dirty="0" err="1" smtClean="0"/>
+              <a:t>Opera</a:t>
+            </a:r>
+            <a:endParaRPr lang="fr-FR" sz="1600" dirty="0" smtClean="0"/>
+          </a:p>
+          <a:p>
+            <a:pPr marL="285750" indent="-285750">
+              <a:buFont typeface="Wingdings" pitchFamily="2" charset="2"/>
+              <a:buChar char="Ø"/>
+            </a:pPr>
+            <a:r>
+              <a:rPr lang="fr-FR" sz="1600" dirty="0"/>
+              <a:t>A </a:t>
+            </a:r>
+            <a:r>
+              <a:rPr lang="fr-FR" sz="1600" dirty="0" err="1"/>
+              <a:t>Knight's</a:t>
+            </a:r>
+            <a:r>
+              <a:rPr lang="fr-FR" sz="1600" dirty="0"/>
+              <a:t> </a:t>
+            </a:r>
+            <a:r>
+              <a:rPr lang="fr-FR" sz="1600" dirty="0" smtClean="0"/>
+              <a:t>Tale</a:t>
+            </a:r>
+          </a:p>
+          <a:p>
+            <a:pPr marL="285750" indent="-285750">
+              <a:buFont typeface="Wingdings" pitchFamily="2" charset="2"/>
+              <a:buChar char="Ø"/>
+            </a:pPr>
+            <a:r>
+              <a:rPr lang="fr-FR" sz="1600" dirty="0"/>
+              <a:t>The </a:t>
+            </a:r>
+            <a:r>
+              <a:rPr lang="fr-FR" sz="1600" dirty="0" err="1"/>
+              <a:t>Three</a:t>
+            </a:r>
+            <a:r>
+              <a:rPr lang="fr-FR" sz="1600" dirty="0"/>
+              <a:t> </a:t>
+            </a:r>
+            <a:r>
+              <a:rPr lang="fr-FR" sz="1600" dirty="0" err="1"/>
+              <a:t>Musketeers</a:t>
+            </a:r>
+            <a:endParaRPr lang="fr-FR" sz="1600" dirty="0" smtClean="0"/>
+          </a:p>
+          <a:p>
+            <a:pPr marL="285750" indent="-285750">
+              <a:buFont typeface="Wingdings" pitchFamily="2" charset="2"/>
+              <a:buChar char="Ø"/>
+            </a:pPr>
+            <a:r>
+              <a:rPr lang="fr-FR" sz="1600" dirty="0" err="1" smtClean="0"/>
+              <a:t>Ironclad</a:t>
+            </a:r>
+            <a:endParaRPr lang="fr-FR" sz="1600" dirty="0" smtClean="0"/>
+          </a:p>
+          <a:p>
+            <a:pPr marL="285750" indent="-285750">
+              <a:buFont typeface="Wingdings" pitchFamily="2" charset="2"/>
+              <a:buChar char="Ø"/>
+            </a:pPr>
+            <a:r>
+              <a:rPr lang="fr-FR" sz="1600" dirty="0"/>
+              <a:t>Bram </a:t>
+            </a:r>
+            <a:r>
+              <a:rPr lang="fr-FR" sz="1600" dirty="0" err="1"/>
+              <a:t>Stoker's</a:t>
+            </a:r>
+            <a:r>
+              <a:rPr lang="fr-FR" sz="1600" dirty="0"/>
+              <a:t> Dracula</a:t>
+            </a:r>
+          </a:p>
+        </p:txBody>
+      </p:sp>
+    </p:spTree>
+    <p:extLst>
+      <p:ext uri="{BB962C8B-B14F-4D97-AF65-F5344CB8AC3E}">
+        <p14:creationId xmlns:p14="http://schemas.microsoft.com/office/powerpoint/2010/main" val="3931257705"/>
+      </p:ext>
+    </p:extLst>
+  </p:cSld>
+  <p:clrMapOvr>
+    <a:masterClrMapping/>
+  </p:clrMapOvr>
+  <p:timing>
+    <p:tnLst>
+      <p:par>
+        <p:cTn id="1" dur="indefinite" restart="never" nodeType="tmRoot"/>
+      </p:par>
+    </p:tnLst>
+  </p:timing>
+</p:sld>
+</file>
+
+<file path=ppt/slides/slide12.xml><?xml version="1.0" encoding="utf-8"?>
+<p:sld xmlns:a="http://schemas.openxmlformats.org/drawingml/2006/main" xmlns:r="http://schemas.openxmlformats.org/officeDocument/2006/relationships" xmlns:p="http://schemas.openxmlformats.org/presentationml/2006/main">
+  <p:cSld>
+    <p:spTree>
+      <p:nvGrpSpPr>
+        <p:cNvPr id="1" name=""/>
+        <p:cNvGrpSpPr/>
+        <p:nvPr/>
+      </p:nvGrpSpPr>
+      <p:grpSpPr>
+        <a:xfrm>
+          <a:off x="0" y="0"/>
+          <a:ext cx="0" cy="0"/>
+          <a:chOff x="0" y="0"/>
+          <a:chExt cx="0" cy="0"/>
+        </a:xfrm>
+      </p:grpSpPr>
+      <p:sp>
+        <p:nvSpPr>
+          <p:cNvPr id="2" name="Titre 1"/>
+          <p:cNvSpPr>
+            <a:spLocks noGrp="1"/>
+          </p:cNvSpPr>
+          <p:nvPr>
+            <p:ph type="title"/>
+          </p:nvPr>
+        </p:nvSpPr>
+        <p:spPr/>
+        <p:txBody>
+          <a:bodyPr/>
+          <a:lstStyle/>
+          <a:p>
+            <a:r>
+              <a:rPr lang="fr-FR" dirty="0" smtClean="0">
+                <a:solidFill>
+                  <a:srgbClr val="95023C"/>
+                </a:solidFill>
+              </a:rPr>
+              <a:t>Modélisation</a:t>
+            </a:r>
+            <a:endParaRPr lang="fr-FR" dirty="0"/>
+          </a:p>
+        </p:txBody>
+      </p:sp>
+      <p:sp>
+        <p:nvSpPr>
+          <p:cNvPr id="3" name="Espace réservé du contenu 2"/>
+          <p:cNvSpPr>
+            <a:spLocks noGrp="1"/>
+          </p:cNvSpPr>
+          <p:nvPr>
+            <p:ph idx="1"/>
+          </p:nvPr>
+        </p:nvSpPr>
+        <p:spPr/>
+        <p:txBody>
+          <a:bodyPr>
+            <a:normAutofit/>
+          </a:bodyPr>
+          <a:lstStyle/>
+          <a:p>
+            <a:pPr>
+              <a:buFont typeface="Wingdings" pitchFamily="2" charset="2"/>
+              <a:buChar char="Ø"/>
+            </a:pPr>
+            <a:r>
+              <a:rPr lang="fr-FR" sz="2800" dirty="0" err="1" smtClean="0">
+                <a:solidFill>
+                  <a:srgbClr val="E8750C"/>
+                </a:solidFill>
+              </a:rPr>
+              <a:t>Locally</a:t>
+            </a:r>
+            <a:r>
+              <a:rPr lang="fr-FR" sz="2800" dirty="0" smtClean="0">
+                <a:solidFill>
+                  <a:srgbClr val="E8750C"/>
+                </a:solidFill>
+              </a:rPr>
+              <a:t> </a:t>
+            </a:r>
+            <a:r>
+              <a:rPr lang="fr-FR" sz="2800" dirty="0" err="1" smtClean="0">
+                <a:solidFill>
+                  <a:srgbClr val="E8750C"/>
+                </a:solidFill>
+              </a:rPr>
+              <a:t>Linear</a:t>
+            </a:r>
+            <a:r>
+              <a:rPr lang="fr-FR" sz="2800" dirty="0" smtClean="0">
+                <a:solidFill>
+                  <a:srgbClr val="E8750C"/>
+                </a:solidFill>
+              </a:rPr>
+              <a:t> </a:t>
+            </a:r>
+            <a:r>
+              <a:rPr lang="fr-FR" sz="2800" dirty="0" err="1" smtClean="0">
+                <a:solidFill>
+                  <a:srgbClr val="E8750C"/>
+                </a:solidFill>
+              </a:rPr>
+              <a:t>Embedding</a:t>
+            </a:r>
+            <a:endParaRPr lang="fr-FR" sz="2800" dirty="0">
+              <a:solidFill>
+                <a:srgbClr val="E8750C"/>
+              </a:solidFill>
+            </a:endParaRPr>
+          </a:p>
           <a:p>
             <a:pPr lvl="1">
               <a:buFont typeface="Wingdings" pitchFamily="2" charset="2"/>
               <a:buChar char="Ø"/>
             </a:pPr>
             <a:r>
-              <a:rPr lang="fr-FR" dirty="0" err="1" smtClean="0">
-                <a:solidFill>
-                  <a:srgbClr val="E8750C"/>
-                </a:solidFill>
-              </a:rPr>
-              <a:t>Clustering</a:t>
-            </a:r>
-            <a:r>
-              <a:rPr lang="fr-FR" dirty="0" smtClean="0">
-                <a:solidFill>
-                  <a:srgbClr val="E8750C"/>
-                </a:solidFill>
-              </a:rPr>
-              <a:t> </a:t>
-            </a:r>
-            <a:r>
-              <a:rPr lang="fr-FR" dirty="0" err="1" smtClean="0">
-                <a:solidFill>
-                  <a:srgbClr val="E8750C"/>
-                </a:solidFill>
-              </a:rPr>
-              <a:t>hierarchique</a:t>
-            </a:r>
+              <a:rPr lang="fr-FR" sz="2400" dirty="0" smtClean="0">
+                <a:solidFill>
+                  <a:srgbClr val="E8750C"/>
+                </a:solidFill>
+              </a:rPr>
+              <a:t>Groupe </a:t>
+            </a:r>
+            <a:r>
+              <a:rPr lang="fr-FR" sz="2400" dirty="0">
+                <a:solidFill>
+                  <a:srgbClr val="E8750C"/>
+                </a:solidFill>
+              </a:rPr>
+              <a:t>« manifolds »</a:t>
+            </a:r>
+          </a:p>
+          <a:p>
+            <a:pPr lvl="1">
+              <a:buFont typeface="Wingdings" pitchFamily="2" charset="2"/>
+              <a:buChar char="Ø"/>
+            </a:pPr>
+            <a:r>
+              <a:rPr lang="fr-FR" sz="2400" dirty="0">
+                <a:solidFill>
+                  <a:srgbClr val="E8750C"/>
+                </a:solidFill>
+              </a:rPr>
+              <a:t>Nombre de clusters non nécessaire</a:t>
+            </a:r>
+          </a:p>
+          <a:p>
+            <a:pPr lvl="1">
+              <a:buFont typeface="Wingdings" pitchFamily="2" charset="2"/>
+              <a:buChar char="Ø"/>
+            </a:pPr>
+            <a:r>
+              <a:rPr lang="fr-FR" sz="2400" dirty="0">
+                <a:solidFill>
+                  <a:srgbClr val="E8750C"/>
+                </a:solidFill>
+              </a:rPr>
+              <a:t>Retourne positions</a:t>
+            </a:r>
+          </a:p>
+          <a:p>
+            <a:pPr lvl="2">
+              <a:buFont typeface="Wingdings" pitchFamily="2" charset="2"/>
+              <a:buChar char="Ø"/>
+            </a:pPr>
+            <a:r>
+              <a:rPr lang="fr-FR" sz="2000" dirty="0">
+                <a:solidFill>
+                  <a:srgbClr val="E8750C"/>
+                </a:solidFill>
+              </a:rPr>
+              <a:t>Recommander </a:t>
+            </a:r>
+            <a:r>
+              <a:rPr lang="fr-FR" sz="2000" dirty="0" smtClean="0">
+                <a:solidFill>
+                  <a:srgbClr val="E8750C"/>
+                </a:solidFill>
+              </a:rPr>
+              <a:t>possible</a:t>
+            </a:r>
+          </a:p>
+          <a:p>
+            <a:pPr lvl="1">
+              <a:buFont typeface="Wingdings" pitchFamily="2" charset="2"/>
+              <a:buChar char="Ø"/>
+            </a:pPr>
+            <a:r>
+              <a:rPr lang="fr-FR" sz="2400" u="sng" dirty="0" smtClean="0">
+                <a:solidFill>
+                  <a:srgbClr val="E8750C"/>
+                </a:solidFill>
+              </a:rPr>
+              <a:t>Sensible à l’initialisation</a:t>
+            </a:r>
+            <a:endParaRPr lang="fr-FR" sz="2400" u="sng" dirty="0">
+              <a:solidFill>
+                <a:srgbClr val="E8750C"/>
+              </a:solidFill>
+            </a:endParaRPr>
+          </a:p>
+          <a:p>
+            <a:pPr lvl="1">
+              <a:buFont typeface="Wingdings" pitchFamily="2" charset="2"/>
+              <a:buChar char="Ø"/>
+            </a:pPr>
             <a:endParaRPr lang="fr-FR" dirty="0" smtClean="0">
               <a:solidFill>
                 <a:srgbClr val="E8750C"/>
               </a:solidFill>
             </a:endParaRPr>
           </a:p>
+        </p:txBody>
+      </p:sp>
+      <p:sp>
+        <p:nvSpPr>
+          <p:cNvPr id="4" name="Espace réservé de la date 3"/>
+          <p:cNvSpPr>
+            <a:spLocks noGrp="1"/>
+          </p:cNvSpPr>
+          <p:nvPr>
+            <p:ph type="dt" sz="half" idx="10"/>
+          </p:nvPr>
+        </p:nvSpPr>
+        <p:spPr/>
+        <p:txBody>
+          <a:bodyPr/>
+          <a:lstStyle/>
+          <a:p>
+            <a:fld id="{30547005-2CCE-4AAF-810C-C33FB4661996}" type="datetime1">
+              <a:rPr lang="fr-FR" smtClean="0"/>
+              <a:t>19/11/2017</a:t>
+            </a:fld>
+            <a:endParaRPr lang="fr-FR"/>
+          </a:p>
+        </p:txBody>
+      </p:sp>
+      <p:sp>
+        <p:nvSpPr>
+          <p:cNvPr id="5" name="Espace réservé du pied de page 4"/>
+          <p:cNvSpPr>
+            <a:spLocks noGrp="1"/>
+          </p:cNvSpPr>
+          <p:nvPr>
+            <p:ph type="ftr" sz="quarter" idx="11"/>
+          </p:nvPr>
+        </p:nvSpPr>
+        <p:spPr/>
+        <p:txBody>
+          <a:bodyPr/>
+          <a:lstStyle/>
+          <a:p>
+            <a:r>
+              <a:rPr lang="fr-FR" dirty="0" smtClean="0"/>
+              <a:t>MINE Nicolas</a:t>
+            </a:r>
+            <a:endParaRPr lang="fr-FR" dirty="0"/>
+          </a:p>
+        </p:txBody>
+      </p:sp>
+      <p:sp>
+        <p:nvSpPr>
+          <p:cNvPr id="6" name="ZoneTexte 5"/>
+          <p:cNvSpPr txBox="1"/>
+          <p:nvPr/>
+        </p:nvSpPr>
+        <p:spPr>
+          <a:xfrm>
+            <a:off x="539552" y="4216439"/>
+            <a:ext cx="4248472" cy="2092881"/>
+          </a:xfrm>
+          <a:prstGeom prst="rect">
+            <a:avLst/>
+          </a:prstGeom>
+          <a:noFill/>
+        </p:spPr>
+        <p:txBody>
+          <a:bodyPr wrap="square" rtlCol="0">
+            <a:spAutoFit/>
+          </a:bodyPr>
+          <a:lstStyle/>
+          <a:p>
+            <a:r>
+              <a:rPr lang="fr-FR" sz="1600" b="1" dirty="0"/>
+              <a:t>Entrée : </a:t>
+            </a:r>
+            <a:endParaRPr lang="fr-FR" sz="1600" b="1" dirty="0" smtClean="0"/>
+          </a:p>
+          <a:p>
+            <a:pPr marL="285750" indent="-285750">
+              <a:buFont typeface="Wingdings" pitchFamily="2" charset="2"/>
+              <a:buChar char="Ø"/>
+            </a:pPr>
+            <a:r>
+              <a:rPr lang="fr-FR" sz="1600" dirty="0" err="1" smtClean="0"/>
+              <a:t>Spider-Man</a:t>
+            </a:r>
+            <a:r>
+              <a:rPr lang="fr-FR" sz="1600" dirty="0" smtClean="0"/>
+              <a:t> 3</a:t>
+            </a:r>
+          </a:p>
+          <a:p>
+            <a:r>
+              <a:rPr lang="fr-FR" sz="1600" b="1" dirty="0" smtClean="0"/>
+              <a:t>Sortie :</a:t>
+            </a:r>
+          </a:p>
+          <a:p>
+            <a:pPr marL="285750" indent="-285750">
+              <a:buFont typeface="Wingdings" pitchFamily="2" charset="2"/>
+              <a:buChar char="Ø"/>
+            </a:pPr>
+            <a:r>
+              <a:rPr lang="fr-FR" sz="1600" dirty="0"/>
+              <a:t>A </a:t>
+            </a:r>
+            <a:r>
+              <a:rPr lang="fr-FR" sz="1600" dirty="0" err="1"/>
+              <a:t>Knight's</a:t>
+            </a:r>
+            <a:r>
+              <a:rPr lang="fr-FR" sz="1600" dirty="0"/>
+              <a:t> </a:t>
+            </a:r>
+            <a:r>
+              <a:rPr lang="fr-FR" sz="1600" dirty="0" smtClean="0"/>
+              <a:t>Tale</a:t>
+            </a:r>
+          </a:p>
+          <a:p>
+            <a:pPr marL="285750" indent="-285750">
+              <a:buFont typeface="Wingdings" pitchFamily="2" charset="2"/>
+              <a:buChar char="Ø"/>
+            </a:pPr>
+            <a:r>
+              <a:rPr lang="fr-FR" sz="1600" dirty="0" smtClean="0"/>
+              <a:t>The </a:t>
+            </a:r>
+            <a:r>
+              <a:rPr lang="fr-FR" sz="1600" dirty="0" err="1"/>
+              <a:t>Three</a:t>
+            </a:r>
+            <a:r>
+              <a:rPr lang="fr-FR" sz="1600" dirty="0"/>
+              <a:t> </a:t>
+            </a:r>
+            <a:r>
+              <a:rPr lang="fr-FR" sz="1600" dirty="0" err="1" smtClean="0"/>
+              <a:t>Musketeers</a:t>
+            </a:r>
+            <a:endParaRPr lang="fr-FR" sz="1600" dirty="0" smtClean="0"/>
+          </a:p>
+          <a:p>
+            <a:pPr marL="285750" indent="-285750">
+              <a:buFont typeface="Wingdings" pitchFamily="2" charset="2"/>
+              <a:buChar char="Ø"/>
+            </a:pPr>
+            <a:r>
+              <a:rPr lang="fr-FR" sz="1600" dirty="0"/>
+              <a:t>The </a:t>
+            </a:r>
+            <a:r>
+              <a:rPr lang="fr-FR" sz="1600" dirty="0" err="1"/>
+              <a:t>Shawshank</a:t>
+            </a:r>
+            <a:r>
+              <a:rPr lang="fr-FR" sz="1600" dirty="0"/>
+              <a:t> </a:t>
+            </a:r>
+            <a:r>
+              <a:rPr lang="fr-FR" sz="1600" dirty="0" err="1"/>
+              <a:t>Redemption</a:t>
+            </a:r>
+            <a:endParaRPr lang="fr-FR" sz="1600" dirty="0" smtClean="0"/>
+          </a:p>
+          <a:p>
+            <a:pPr marL="285750" indent="-285750">
+              <a:buFont typeface="Wingdings" pitchFamily="2" charset="2"/>
+              <a:buChar char="Ø"/>
+            </a:pPr>
+            <a:r>
+              <a:rPr lang="fr-FR" sz="1600" dirty="0" err="1"/>
+              <a:t>Pulp</a:t>
+            </a:r>
+            <a:r>
+              <a:rPr lang="fr-FR" sz="1600" dirty="0"/>
+              <a:t> Fiction</a:t>
+            </a:r>
+            <a:endParaRPr lang="fr-FR" sz="1600" dirty="0" smtClean="0"/>
+          </a:p>
+          <a:p>
+            <a:pPr marL="285750" indent="-285750">
+              <a:buFont typeface="Wingdings" pitchFamily="2" charset="2"/>
+              <a:buChar char="Ø"/>
+            </a:pPr>
+            <a:r>
+              <a:rPr lang="fr-FR" sz="1600" dirty="0"/>
+              <a:t>It </a:t>
+            </a:r>
+            <a:r>
+              <a:rPr lang="fr-FR" sz="1600" dirty="0" err="1"/>
+              <a:t>Happened</a:t>
+            </a:r>
+            <a:r>
+              <a:rPr lang="fr-FR" sz="1600" dirty="0"/>
+              <a:t> One Night</a:t>
+            </a:r>
+          </a:p>
+        </p:txBody>
+      </p:sp>
+      <p:pic>
+        <p:nvPicPr>
+          <p:cNvPr id="3074" name="Picture 2"/>
+          <p:cNvPicPr>
+            <a:picLocks noChangeAspect="1" noChangeArrowheads="1"/>
+          </p:cNvPicPr>
+          <p:nvPr/>
+        </p:nvPicPr>
+        <p:blipFill>
+          <a:blip r:embed="rId2">
+            <a:clrChange>
+              <a:clrFrom>
+                <a:srgbClr val="FFFFFF"/>
+              </a:clrFrom>
+              <a:clrTo>
+                <a:srgbClr val="FFFFFF">
+                  <a:alpha val="0"/>
+                </a:srgbClr>
+              </a:clrTo>
+            </a:clrChange>
+            <a:extLst>
+              <a:ext uri="{28A0092B-C50C-407E-A947-70E740481C1C}">
+                <a14:useLocalDpi xmlns:a14="http://schemas.microsoft.com/office/drawing/2010/main" val="0"/>
+              </a:ext>
+            </a:extLst>
+          </a:blip>
+          <a:stretch>
+            <a:fillRect/>
+          </a:stretch>
+        </p:blipFill>
+        <p:spPr bwMode="auto">
+          <a:xfrm>
+            <a:off x="5812430" y="1340927"/>
+            <a:ext cx="3309050" cy="2206033"/>
+          </a:xfrm>
+          <a:prstGeom prst="rect">
+            <a:avLst/>
+          </a:prstGeom>
+          <a:noFill/>
+          <a:extLst>
+            <a:ext uri="{909E8E84-426E-40DD-AFC4-6F175D3DCCD1}">
+              <a14:hiddenFill xmlns:a14="http://schemas.microsoft.com/office/drawing/2010/main">
+                <a:solidFill>
+                  <a:srgbClr val="FFFFFF"/>
+                </a:solidFill>
+              </a14:hiddenFill>
+            </a:ext>
+          </a:extLst>
+        </p:spPr>
+      </p:pic>
+      <p:pic>
+        <p:nvPicPr>
+          <p:cNvPr id="3075" name="Picture 3"/>
+          <p:cNvPicPr>
+            <a:picLocks noChangeAspect="1" noChangeArrowheads="1"/>
+          </p:cNvPicPr>
+          <p:nvPr/>
+        </p:nvPicPr>
+        <p:blipFill rotWithShape="1">
+          <a:blip r:embed="rId3">
+            <a:clrChange>
+              <a:clrFrom>
+                <a:srgbClr val="FFFFFF"/>
+              </a:clrFrom>
+              <a:clrTo>
+                <a:srgbClr val="FFFFFF">
+                  <a:alpha val="0"/>
+                </a:srgbClr>
+              </a:clrTo>
+            </a:clrChange>
+            <a:extLst>
+              <a:ext uri="{28A0092B-C50C-407E-A947-70E740481C1C}">
+                <a14:useLocalDpi xmlns:a14="http://schemas.microsoft.com/office/drawing/2010/main" val="0"/>
+              </a:ext>
+            </a:extLst>
+          </a:blip>
+          <a:srcRect l="19581" t="15087"/>
+          <a:stretch/>
+        </p:blipFill>
+        <p:spPr bwMode="auto">
+          <a:xfrm>
+            <a:off x="4932947" y="3446140"/>
+            <a:ext cx="5031250" cy="4086437"/>
+          </a:xfrm>
+          <a:prstGeom prst="rect">
+            <a:avLst/>
+          </a:prstGeom>
+          <a:noFill/>
+          <a:extLst>
+            <a:ext uri="{909E8E84-426E-40DD-AFC4-6F175D3DCCD1}">
+              <a14:hiddenFill xmlns:a14="http://schemas.microsoft.com/office/drawing/2010/main">
+                <a:solidFill>
+                  <a:srgbClr val="FFFFFF"/>
+                </a:solidFill>
+              </a14:hiddenFill>
+            </a:ext>
+          </a:extLst>
+        </p:spPr>
+      </p:pic>
+    </p:spTree>
+    <p:extLst>
+      <p:ext uri="{BB962C8B-B14F-4D97-AF65-F5344CB8AC3E}">
+        <p14:creationId xmlns:p14="http://schemas.microsoft.com/office/powerpoint/2010/main" val="3272577038"/>
+      </p:ext>
+    </p:extLst>
+  </p:cSld>
+  <p:clrMapOvr>
+    <a:masterClrMapping/>
+  </p:clrMapOvr>
+  <p:timing>
+    <p:tnLst>
+      <p:par>
+        <p:cTn id="1" dur="indefinite" restart="never" nodeType="tmRoot"/>
+      </p:par>
+    </p:tnLst>
+  </p:timing>
+</p:sld>
+</file>
+
+<file path=ppt/slides/slide13.xml><?xml version="1.0" encoding="utf-8"?>
+<p:sld xmlns:a="http://schemas.openxmlformats.org/drawingml/2006/main" xmlns:r="http://schemas.openxmlformats.org/officeDocument/2006/relationships" xmlns:p="http://schemas.openxmlformats.org/presentationml/2006/main">
+  <p:cSld>
+    <p:spTree>
+      <p:nvGrpSpPr>
+        <p:cNvPr id="1" name=""/>
+        <p:cNvGrpSpPr/>
+        <p:nvPr/>
+      </p:nvGrpSpPr>
+      <p:grpSpPr>
+        <a:xfrm>
+          <a:off x="0" y="0"/>
+          <a:ext cx="0" cy="0"/>
+          <a:chOff x="0" y="0"/>
+          <a:chExt cx="0" cy="0"/>
+        </a:xfrm>
+      </p:grpSpPr>
+      <p:sp>
+        <p:nvSpPr>
+          <p:cNvPr id="2" name="Titre 1"/>
+          <p:cNvSpPr>
+            <a:spLocks noGrp="1"/>
+          </p:cNvSpPr>
+          <p:nvPr>
+            <p:ph type="title"/>
+          </p:nvPr>
+        </p:nvSpPr>
+        <p:spPr/>
+        <p:txBody>
+          <a:bodyPr/>
+          <a:lstStyle/>
+          <a:p>
+            <a:r>
+              <a:rPr lang="fr-FR" dirty="0" smtClean="0">
+                <a:solidFill>
+                  <a:srgbClr val="95023C"/>
+                </a:solidFill>
+              </a:rPr>
+              <a:t>Modélisation</a:t>
+            </a:r>
+            <a:endParaRPr lang="fr-FR" dirty="0"/>
+          </a:p>
+        </p:txBody>
+      </p:sp>
+      <p:sp>
+        <p:nvSpPr>
+          <p:cNvPr id="3" name="Espace réservé du contenu 2"/>
+          <p:cNvSpPr>
+            <a:spLocks noGrp="1"/>
+          </p:cNvSpPr>
+          <p:nvPr>
+            <p:ph idx="1"/>
+          </p:nvPr>
+        </p:nvSpPr>
+        <p:spPr/>
+        <p:txBody>
+          <a:bodyPr>
+            <a:normAutofit/>
+          </a:bodyPr>
+          <a:lstStyle/>
+          <a:p>
+            <a:pPr>
+              <a:buFont typeface="Wingdings" pitchFamily="2" charset="2"/>
+              <a:buChar char="Ø"/>
+            </a:pPr>
+            <a:r>
+              <a:rPr lang="fr-FR" sz="2800" dirty="0" smtClean="0">
+                <a:solidFill>
+                  <a:srgbClr val="E8750C"/>
+                </a:solidFill>
+              </a:rPr>
+              <a:t>TSNE</a:t>
+            </a:r>
+            <a:endParaRPr lang="fr-FR" sz="2800" dirty="0">
+              <a:solidFill>
+                <a:srgbClr val="E8750C"/>
+              </a:solidFill>
+            </a:endParaRPr>
+          </a:p>
+          <a:p>
+            <a:pPr lvl="1">
+              <a:buFont typeface="Wingdings" pitchFamily="2" charset="2"/>
+              <a:buChar char="Ø"/>
+            </a:pPr>
+            <a:r>
+              <a:rPr lang="fr-FR" sz="2400" dirty="0">
+                <a:solidFill>
+                  <a:srgbClr val="E8750C"/>
+                </a:solidFill>
+              </a:rPr>
+              <a:t>Groupe « manifolds »</a:t>
+            </a:r>
+          </a:p>
+          <a:p>
+            <a:pPr lvl="1">
+              <a:buFont typeface="Wingdings" pitchFamily="2" charset="2"/>
+              <a:buChar char="Ø"/>
+            </a:pPr>
+            <a:r>
+              <a:rPr lang="fr-FR" sz="2400" dirty="0">
+                <a:solidFill>
+                  <a:srgbClr val="E8750C"/>
+                </a:solidFill>
+              </a:rPr>
+              <a:t>Nombre de clusters non nécessaire</a:t>
+            </a:r>
+          </a:p>
+          <a:p>
+            <a:pPr lvl="1">
+              <a:buFont typeface="Wingdings" pitchFamily="2" charset="2"/>
+              <a:buChar char="Ø"/>
+            </a:pPr>
+            <a:r>
+              <a:rPr lang="fr-FR" sz="2400" dirty="0">
+                <a:solidFill>
+                  <a:srgbClr val="E8750C"/>
+                </a:solidFill>
+              </a:rPr>
+              <a:t>Retourne positions</a:t>
+            </a:r>
+          </a:p>
           <a:p>
             <a:pPr lvl="2">
               <a:buFont typeface="Wingdings" pitchFamily="2" charset="2"/>
               <a:buChar char="Ø"/>
             </a:pPr>
             <a:r>
-              <a:rPr lang="fr-FR" dirty="0" smtClean="0">
-                <a:solidFill>
-                  <a:srgbClr val="E8750C"/>
-                </a:solidFill>
-              </a:rPr>
-              <a:t>Similarité par </a:t>
-            </a:r>
-            <a:r>
-              <a:rPr lang="fr-FR" dirty="0" err="1" smtClean="0">
-                <a:solidFill>
-                  <a:srgbClr val="E8750C"/>
-                </a:solidFill>
-              </a:rPr>
-              <a:t>features</a:t>
-            </a:r>
+              <a:rPr lang="fr-FR" sz="2000" dirty="0">
+                <a:solidFill>
+                  <a:srgbClr val="E8750C"/>
+                </a:solidFill>
+              </a:rPr>
+              <a:t>Recommander possible</a:t>
+            </a:r>
+          </a:p>
+          <a:p>
+            <a:pPr lvl="1">
+              <a:buFont typeface="Wingdings" pitchFamily="2" charset="2"/>
+              <a:buChar char="Ø"/>
+            </a:pPr>
             <a:endParaRPr lang="fr-FR" dirty="0" smtClean="0">
               <a:solidFill>
                 <a:srgbClr val="E8750C"/>
               </a:solidFill>
             </a:endParaRPr>
           </a:p>
+        </p:txBody>
+      </p:sp>
+      <p:sp>
+        <p:nvSpPr>
+          <p:cNvPr id="4" name="Espace réservé de la date 3"/>
+          <p:cNvSpPr>
+            <a:spLocks noGrp="1"/>
+          </p:cNvSpPr>
+          <p:nvPr>
+            <p:ph type="dt" sz="half" idx="10"/>
+          </p:nvPr>
+        </p:nvSpPr>
+        <p:spPr/>
+        <p:txBody>
+          <a:bodyPr/>
+          <a:lstStyle/>
+          <a:p>
+            <a:fld id="{30547005-2CCE-4AAF-810C-C33FB4661996}" type="datetime1">
+              <a:rPr lang="fr-FR" smtClean="0"/>
+              <a:t>19/11/2017</a:t>
+            </a:fld>
+            <a:endParaRPr lang="fr-FR"/>
+          </a:p>
+        </p:txBody>
+      </p:sp>
+      <p:sp>
+        <p:nvSpPr>
+          <p:cNvPr id="5" name="Espace réservé du pied de page 4"/>
+          <p:cNvSpPr>
+            <a:spLocks noGrp="1"/>
+          </p:cNvSpPr>
+          <p:nvPr>
+            <p:ph type="ftr" sz="quarter" idx="11"/>
+          </p:nvPr>
+        </p:nvSpPr>
+        <p:spPr/>
+        <p:txBody>
+          <a:bodyPr/>
+          <a:lstStyle/>
+          <a:p>
+            <a:r>
+              <a:rPr lang="fr-FR" dirty="0" smtClean="0"/>
+              <a:t>MINE Nicolas</a:t>
+            </a:r>
+            <a:endParaRPr lang="fr-FR" dirty="0"/>
+          </a:p>
+        </p:txBody>
+      </p:sp>
+      <p:pic>
+        <p:nvPicPr>
+          <p:cNvPr id="4098" name="Picture 2"/>
+          <p:cNvPicPr>
+            <a:picLocks noChangeAspect="1" noChangeArrowheads="1"/>
+          </p:cNvPicPr>
+          <p:nvPr/>
+        </p:nvPicPr>
+        <p:blipFill>
+          <a:blip r:embed="rId2">
+            <a:clrChange>
+              <a:clrFrom>
+                <a:srgbClr val="FFFFFF"/>
+              </a:clrFrom>
+              <a:clrTo>
+                <a:srgbClr val="FFFFFF">
+                  <a:alpha val="0"/>
+                </a:srgbClr>
+              </a:clrTo>
+            </a:clrChange>
+            <a:extLst>
+              <a:ext uri="{28A0092B-C50C-407E-A947-70E740481C1C}">
+                <a14:useLocalDpi xmlns:a14="http://schemas.microsoft.com/office/drawing/2010/main" val="0"/>
+              </a:ext>
+            </a:extLst>
+          </a:blip>
+          <a:srcRect/>
+          <a:stretch>
+            <a:fillRect/>
+          </a:stretch>
+        </p:blipFill>
+        <p:spPr bwMode="auto">
+          <a:xfrm>
+            <a:off x="4644008" y="3284984"/>
+            <a:ext cx="4352974" cy="3484033"/>
+          </a:xfrm>
+          <a:prstGeom prst="rect">
+            <a:avLst/>
+          </a:prstGeom>
+          <a:noFill/>
+          <a:ln>
+            <a:noFill/>
+          </a:ln>
+          <a:effectLst/>
+          <a:extLst>
+            <a:ext uri="{909E8E84-426E-40DD-AFC4-6F175D3DCCD1}">
+              <a14:hiddenFill xmlns:a14="http://schemas.microsoft.com/office/drawing/2010/main">
+                <a:solidFill>
+                  <a:schemeClr val="accent1"/>
+                </a:solidFill>
+              </a14:hiddenFill>
+            </a:ext>
+            <a:ext uri="{91240B29-F687-4F45-9708-019B960494DF}">
+              <a14:hiddenLine xmlns:a14="http://schemas.microsoft.com/office/drawing/2010/main" w="9525">
+                <a:solidFill>
+                  <a:schemeClr val="tx1"/>
+                </a:solidFill>
+                <a:miter lim="800000"/>
+                <a:headEnd/>
+                <a:tailEnd/>
+              </a14:hiddenLine>
+            </a:ext>
+            <a:ext uri="{AF507438-7753-43E0-B8FC-AC1667EBCBE1}">
+              <a14:hiddenEffects xmlns:a14="http://schemas.microsoft.com/office/drawing/2010/main">
+                <a:effectLst>
+                  <a:outerShdw dist="35921" dir="2700000" algn="ctr" rotWithShape="0">
+                    <a:schemeClr val="bg2"/>
+                  </a:outerShdw>
+                </a:effectLst>
+              </a14:hiddenEffects>
+            </a:ext>
+          </a:extLst>
+        </p:spPr>
+      </p:pic>
+      <p:pic>
+        <p:nvPicPr>
+          <p:cNvPr id="4099" name="Picture 3"/>
+          <p:cNvPicPr>
+            <a:picLocks noChangeAspect="1" noChangeArrowheads="1"/>
+          </p:cNvPicPr>
+          <p:nvPr/>
+        </p:nvPicPr>
+        <p:blipFill>
+          <a:blip r:embed="rId3" cstate="print">
+            <a:clrChange>
+              <a:clrFrom>
+                <a:srgbClr val="FFFFFF"/>
+              </a:clrFrom>
+              <a:clrTo>
+                <a:srgbClr val="FFFFFF">
+                  <a:alpha val="0"/>
+                </a:srgbClr>
+              </a:clrTo>
+            </a:clrChange>
+            <a:extLst>
+              <a:ext uri="{28A0092B-C50C-407E-A947-70E740481C1C}">
+                <a14:useLocalDpi xmlns:a14="http://schemas.microsoft.com/office/drawing/2010/main" val="0"/>
+              </a:ext>
+            </a:extLst>
+          </a:blip>
+          <a:srcRect/>
+          <a:stretch>
+            <a:fillRect/>
+          </a:stretch>
+        </p:blipFill>
+        <p:spPr bwMode="auto">
+          <a:xfrm>
+            <a:off x="6084168" y="1268760"/>
+            <a:ext cx="2710548" cy="2028217"/>
+          </a:xfrm>
+          <a:prstGeom prst="rect">
+            <a:avLst/>
+          </a:prstGeom>
+          <a:noFill/>
+          <a:ln>
+            <a:noFill/>
+          </a:ln>
+          <a:effectLst/>
+          <a:extLst>
+            <a:ext uri="{909E8E84-426E-40DD-AFC4-6F175D3DCCD1}">
+              <a14:hiddenFill xmlns:a14="http://schemas.microsoft.com/office/drawing/2010/main">
+                <a:solidFill>
+                  <a:schemeClr val="accent1"/>
+                </a:solidFill>
+              </a14:hiddenFill>
+            </a:ext>
+            <a:ext uri="{91240B29-F687-4F45-9708-019B960494DF}">
+              <a14:hiddenLine xmlns:a14="http://schemas.microsoft.com/office/drawing/2010/main" w="9525">
+                <a:solidFill>
+                  <a:schemeClr val="tx1"/>
+                </a:solidFill>
+                <a:miter lim="800000"/>
+                <a:headEnd/>
+                <a:tailEnd/>
+              </a14:hiddenLine>
+            </a:ext>
+            <a:ext uri="{AF507438-7753-43E0-B8FC-AC1667EBCBE1}">
+              <a14:hiddenEffects xmlns:a14="http://schemas.microsoft.com/office/drawing/2010/main">
+                <a:effectLst>
+                  <a:outerShdw dist="35921" dir="2700000" algn="ctr" rotWithShape="0">
+                    <a:schemeClr val="bg2"/>
+                  </a:outerShdw>
+                </a:effectLst>
+              </a14:hiddenEffects>
+            </a:ext>
+          </a:extLst>
+        </p:spPr>
+      </p:pic>
+      <p:sp>
+        <p:nvSpPr>
+          <p:cNvPr id="8" name="ZoneTexte 7"/>
+          <p:cNvSpPr txBox="1"/>
+          <p:nvPr/>
+        </p:nvSpPr>
+        <p:spPr>
+          <a:xfrm>
+            <a:off x="611560" y="3933056"/>
+            <a:ext cx="4248472" cy="2062103"/>
+          </a:xfrm>
+          <a:prstGeom prst="rect">
+            <a:avLst/>
+          </a:prstGeom>
+          <a:noFill/>
+        </p:spPr>
+        <p:txBody>
+          <a:bodyPr wrap="square" rtlCol="0">
+            <a:spAutoFit/>
+          </a:bodyPr>
+          <a:lstStyle/>
+          <a:p>
+            <a:r>
+              <a:rPr lang="fr-FR" sz="1600" b="1" dirty="0"/>
+              <a:t>Entrée : </a:t>
+            </a:r>
+            <a:endParaRPr lang="fr-FR" sz="1600" b="1" dirty="0" smtClean="0"/>
+          </a:p>
+          <a:p>
+            <a:pPr marL="285750" indent="-285750">
+              <a:buFont typeface="Wingdings" pitchFamily="2" charset="2"/>
+              <a:buChar char="Ø"/>
+            </a:pPr>
+            <a:r>
+              <a:rPr lang="fr-FR" sz="1600" dirty="0" err="1" smtClean="0"/>
+              <a:t>Spider-Man</a:t>
+            </a:r>
+            <a:r>
+              <a:rPr lang="fr-FR" sz="1600" dirty="0" smtClean="0"/>
+              <a:t> 3</a:t>
+            </a:r>
+          </a:p>
+          <a:p>
+            <a:r>
+              <a:rPr lang="fr-FR" sz="1600" b="1" dirty="0" smtClean="0"/>
+              <a:t>Sortie :</a:t>
+            </a:r>
+          </a:p>
+          <a:p>
+            <a:pPr marL="285750" indent="-285750">
+              <a:buFont typeface="Wingdings" pitchFamily="2" charset="2"/>
+              <a:buChar char="Ø"/>
+            </a:pPr>
+            <a:r>
+              <a:rPr lang="fr-FR" sz="1600" dirty="0" err="1" smtClean="0"/>
+              <a:t>Spider-Man</a:t>
+            </a:r>
+            <a:endParaRPr lang="fr-FR" sz="1600" dirty="0" smtClean="0"/>
+          </a:p>
+          <a:p>
+            <a:pPr marL="285750" indent="-285750">
+              <a:buFont typeface="Wingdings" pitchFamily="2" charset="2"/>
+              <a:buChar char="Ø"/>
+            </a:pPr>
+            <a:r>
+              <a:rPr lang="fr-FR" sz="1600" dirty="0" err="1"/>
+              <a:t>Spider-Man</a:t>
+            </a:r>
+            <a:r>
+              <a:rPr lang="fr-FR" sz="1600" dirty="0"/>
+              <a:t> </a:t>
+            </a:r>
+            <a:r>
+              <a:rPr lang="fr-FR" sz="1600" dirty="0" smtClean="0"/>
+              <a:t>2</a:t>
+            </a:r>
+          </a:p>
+          <a:p>
+            <a:pPr marL="285750" indent="-285750">
+              <a:buFont typeface="Wingdings" pitchFamily="2" charset="2"/>
+              <a:buChar char="Ø"/>
+            </a:pPr>
+            <a:r>
+              <a:rPr lang="fr-FR" sz="1600" dirty="0"/>
+              <a:t>The </a:t>
+            </a:r>
+            <a:r>
+              <a:rPr lang="fr-FR" sz="1600" dirty="0" err="1"/>
+              <a:t>Three</a:t>
+            </a:r>
+            <a:r>
+              <a:rPr lang="fr-FR" sz="1600" dirty="0"/>
+              <a:t> </a:t>
+            </a:r>
+            <a:r>
+              <a:rPr lang="fr-FR" sz="1600" dirty="0" err="1" smtClean="0"/>
+              <a:t>Musketeers</a:t>
+            </a:r>
+            <a:endParaRPr lang="fr-FR" sz="1600" dirty="0" smtClean="0"/>
+          </a:p>
+          <a:p>
+            <a:pPr marL="285750" indent="-285750">
+              <a:buFont typeface="Wingdings" pitchFamily="2" charset="2"/>
+              <a:buChar char="Ø"/>
+            </a:pPr>
+            <a:r>
+              <a:rPr lang="fr-FR" sz="1600" dirty="0" smtClean="0"/>
+              <a:t>The </a:t>
+            </a:r>
+            <a:r>
+              <a:rPr lang="fr-FR" sz="1600" dirty="0" err="1" smtClean="0"/>
+              <a:t>Musketeer</a:t>
+            </a:r>
+            <a:endParaRPr lang="fr-FR" sz="1600" dirty="0" smtClean="0"/>
+          </a:p>
+          <a:p>
+            <a:pPr marL="285750" indent="-285750">
+              <a:buFont typeface="Wingdings" pitchFamily="2" charset="2"/>
+              <a:buChar char="Ø"/>
+            </a:pPr>
+            <a:r>
+              <a:rPr lang="fr-FR" sz="1600" dirty="0"/>
+              <a:t>A </a:t>
+            </a:r>
+            <a:r>
+              <a:rPr lang="fr-FR" sz="1600" dirty="0" err="1"/>
+              <a:t>Knight's</a:t>
+            </a:r>
+            <a:r>
+              <a:rPr lang="fr-FR" sz="1600" dirty="0"/>
+              <a:t> Tale</a:t>
+            </a:r>
+          </a:p>
+        </p:txBody>
+      </p:sp>
+    </p:spTree>
+    <p:extLst>
+      <p:ext uri="{BB962C8B-B14F-4D97-AF65-F5344CB8AC3E}">
+        <p14:creationId xmlns:p14="http://schemas.microsoft.com/office/powerpoint/2010/main" val="3931257705"/>
+      </p:ext>
+    </p:extLst>
+  </p:cSld>
+  <p:clrMapOvr>
+    <a:masterClrMapping/>
+  </p:clrMapOvr>
+  <p:timing>
+    <p:tnLst>
+      <p:par>
+        <p:cTn id="1" dur="indefinite" restart="never" nodeType="tmRoot"/>
+      </p:par>
+    </p:tnLst>
+  </p:timing>
+</p:sld>
+</file>
+
+<file path=ppt/slides/slide14.xml><?xml version="1.0" encoding="utf-8"?>
+<p:sld xmlns:a="http://schemas.openxmlformats.org/drawingml/2006/main" xmlns:r="http://schemas.openxmlformats.org/officeDocument/2006/relationships" xmlns:p="http://schemas.openxmlformats.org/presentationml/2006/main">
+  <p:cSld>
+    <p:spTree>
+      <p:nvGrpSpPr>
+        <p:cNvPr id="1" name=""/>
+        <p:cNvGrpSpPr/>
+        <p:nvPr/>
+      </p:nvGrpSpPr>
+      <p:grpSpPr>
+        <a:xfrm>
+          <a:off x="0" y="0"/>
+          <a:ext cx="0" cy="0"/>
+          <a:chOff x="0" y="0"/>
+          <a:chExt cx="0" cy="0"/>
+        </a:xfrm>
+      </p:grpSpPr>
+      <p:sp>
+        <p:nvSpPr>
+          <p:cNvPr id="2" name="Titre 1"/>
+          <p:cNvSpPr>
+            <a:spLocks noGrp="1"/>
+          </p:cNvSpPr>
+          <p:nvPr>
+            <p:ph type="title"/>
+          </p:nvPr>
+        </p:nvSpPr>
+        <p:spPr/>
+        <p:txBody>
+          <a:bodyPr/>
+          <a:lstStyle/>
+          <a:p>
+            <a:r>
+              <a:rPr lang="fr-FR" dirty="0" smtClean="0">
+                <a:solidFill>
+                  <a:srgbClr val="95023C"/>
+                </a:solidFill>
+              </a:rPr>
+              <a:t>Modélisation</a:t>
+            </a:r>
+            <a:endParaRPr lang="fr-FR" dirty="0"/>
+          </a:p>
+        </p:txBody>
+      </p:sp>
+      <p:sp>
+        <p:nvSpPr>
+          <p:cNvPr id="3" name="Espace réservé du contenu 2"/>
+          <p:cNvSpPr>
+            <a:spLocks noGrp="1"/>
+          </p:cNvSpPr>
+          <p:nvPr>
+            <p:ph idx="1"/>
+          </p:nvPr>
+        </p:nvSpPr>
+        <p:spPr/>
+        <p:txBody>
+          <a:bodyPr>
+            <a:normAutofit/>
+          </a:bodyPr>
+          <a:lstStyle/>
+          <a:p>
+            <a:pPr>
+              <a:buFont typeface="Wingdings" pitchFamily="2" charset="2"/>
+              <a:buChar char="Ø"/>
+            </a:pPr>
+            <a:r>
+              <a:rPr lang="fr-FR" sz="2800" dirty="0" smtClean="0">
+                <a:solidFill>
+                  <a:srgbClr val="E8750C"/>
+                </a:solidFill>
+              </a:rPr>
+              <a:t>PCA</a:t>
+            </a:r>
+            <a:endParaRPr lang="fr-FR" sz="2800" dirty="0">
+              <a:solidFill>
+                <a:srgbClr val="E8750C"/>
+              </a:solidFill>
+            </a:endParaRPr>
+          </a:p>
           <a:p>
             <a:pPr lvl="1">
               <a:buFont typeface="Wingdings" pitchFamily="2" charset="2"/>
               <a:buChar char="Ø"/>
             </a:pPr>
             <a:r>
-              <a:rPr lang="fr-FR" dirty="0" err="1" smtClean="0">
-                <a:solidFill>
-                  <a:srgbClr val="E8750C"/>
-                </a:solidFill>
-              </a:rPr>
-              <a:t>BDScan</a:t>
-            </a:r>
+              <a:rPr lang="fr-FR" sz="2400" dirty="0">
+                <a:solidFill>
+                  <a:srgbClr val="E8750C"/>
+                </a:solidFill>
+              </a:rPr>
+              <a:t>Groupe « </a:t>
+            </a:r>
+            <a:r>
+              <a:rPr lang="fr-FR" sz="2400" dirty="0" err="1" smtClean="0">
+                <a:solidFill>
+                  <a:srgbClr val="E8750C"/>
+                </a:solidFill>
+              </a:rPr>
+              <a:t>decomposition</a:t>
+            </a:r>
+            <a:r>
+              <a:rPr lang="fr-FR" sz="2400" dirty="0">
+                <a:solidFill>
+                  <a:srgbClr val="E8750C"/>
+                </a:solidFill>
+              </a:rPr>
+              <a:t> </a:t>
+            </a:r>
+            <a:r>
+              <a:rPr lang="fr-FR" sz="2400" dirty="0" smtClean="0">
+                <a:solidFill>
+                  <a:srgbClr val="E8750C"/>
+                </a:solidFill>
+              </a:rPr>
+              <a:t>»</a:t>
+            </a:r>
+          </a:p>
+          <a:p>
+            <a:pPr lvl="1">
+              <a:buFont typeface="Wingdings" pitchFamily="2" charset="2"/>
+              <a:buChar char="Ø"/>
+            </a:pPr>
+            <a:r>
+              <a:rPr lang="fr-FR" sz="2400" dirty="0">
+                <a:solidFill>
+                  <a:srgbClr val="E8750C"/>
+                </a:solidFill>
+              </a:rPr>
+              <a:t>Nombre de clusters non nécessaire</a:t>
+            </a:r>
+          </a:p>
+          <a:p>
+            <a:pPr lvl="1">
+              <a:buFont typeface="Wingdings" pitchFamily="2" charset="2"/>
+              <a:buChar char="Ø"/>
+            </a:pPr>
+            <a:r>
+              <a:rPr lang="fr-FR" sz="2400" dirty="0">
+                <a:solidFill>
+                  <a:srgbClr val="E8750C"/>
+                </a:solidFill>
+              </a:rPr>
+              <a:t>Retourne positions</a:t>
+            </a:r>
+          </a:p>
+          <a:p>
+            <a:pPr lvl="2">
+              <a:buFont typeface="Wingdings" pitchFamily="2" charset="2"/>
+              <a:buChar char="Ø"/>
+            </a:pPr>
+            <a:r>
+              <a:rPr lang="fr-FR" sz="2000" dirty="0">
+                <a:solidFill>
+                  <a:srgbClr val="E8750C"/>
+                </a:solidFill>
+              </a:rPr>
+              <a:t>Recommander </a:t>
+            </a:r>
+            <a:r>
+              <a:rPr lang="fr-FR" sz="2000" dirty="0" smtClean="0">
+                <a:solidFill>
+                  <a:srgbClr val="E8750C"/>
+                </a:solidFill>
+              </a:rPr>
+              <a:t>possible</a:t>
+            </a:r>
+          </a:p>
+          <a:p>
+            <a:pPr lvl="1">
+              <a:buFont typeface="Wingdings" pitchFamily="2" charset="2"/>
+              <a:buChar char="Ø"/>
+            </a:pPr>
+            <a:r>
+              <a:rPr lang="fr-FR" sz="2400" dirty="0" smtClean="0">
+                <a:solidFill>
+                  <a:srgbClr val="E8750C"/>
+                </a:solidFill>
+              </a:rPr>
+              <a:t>Nécessite haute dim.</a:t>
+            </a:r>
+          </a:p>
+          <a:p>
+            <a:pPr lvl="2">
+              <a:buFont typeface="Wingdings" pitchFamily="2" charset="2"/>
+              <a:buChar char="Ø"/>
+            </a:pPr>
+            <a:r>
+              <a:rPr lang="fr-FR" sz="2000" dirty="0" smtClean="0">
+                <a:solidFill>
+                  <a:srgbClr val="E8750C"/>
+                </a:solidFill>
+              </a:rPr>
+              <a:t>10 </a:t>
+            </a:r>
+            <a:r>
+              <a:rPr lang="fr-FR" sz="2000" dirty="0" err="1" smtClean="0">
+                <a:solidFill>
+                  <a:srgbClr val="E8750C"/>
+                </a:solidFill>
+              </a:rPr>
+              <a:t>dims</a:t>
+            </a:r>
+            <a:r>
+              <a:rPr lang="fr-FR" sz="2000" dirty="0" smtClean="0">
+                <a:solidFill>
+                  <a:srgbClr val="E8750C"/>
+                </a:solidFill>
+              </a:rPr>
+              <a:t> =&gt; 70% de la variance</a:t>
+            </a:r>
+          </a:p>
+          <a:p>
+            <a:pPr lvl="1">
+              <a:buFont typeface="Wingdings" pitchFamily="2" charset="2"/>
+              <a:buChar char="Ø"/>
+            </a:pPr>
+            <a:endParaRPr lang="fr-FR" dirty="0">
+              <a:solidFill>
+                <a:srgbClr val="E8750C"/>
+              </a:solidFill>
+            </a:endParaRPr>
+          </a:p>
+          <a:p>
+            <a:pPr lvl="1">
+              <a:buFont typeface="Wingdings" pitchFamily="2" charset="2"/>
+              <a:buChar char="Ø"/>
+            </a:pPr>
             <a:endParaRPr lang="fr-FR" dirty="0" smtClean="0">
               <a:solidFill>
                 <a:srgbClr val="E8750C"/>
               </a:solidFill>
             </a:endParaRPr>
           </a:p>
-          <a:p>
-            <a:pPr lvl="2">
+        </p:txBody>
+      </p:sp>
+      <p:sp>
+        <p:nvSpPr>
+          <p:cNvPr id="4" name="Espace réservé de la date 3"/>
+          <p:cNvSpPr>
+            <a:spLocks noGrp="1"/>
+          </p:cNvSpPr>
+          <p:nvPr>
+            <p:ph type="dt" sz="half" idx="10"/>
+          </p:nvPr>
+        </p:nvSpPr>
+        <p:spPr/>
+        <p:txBody>
+          <a:bodyPr/>
+          <a:lstStyle/>
+          <a:p>
+            <a:fld id="{30547005-2CCE-4AAF-810C-C33FB4661996}" type="datetime1">
+              <a:rPr lang="fr-FR" smtClean="0"/>
+              <a:t>19/11/2017</a:t>
+            </a:fld>
+            <a:endParaRPr lang="fr-FR"/>
+          </a:p>
+        </p:txBody>
+      </p:sp>
+      <p:sp>
+        <p:nvSpPr>
+          <p:cNvPr id="5" name="Espace réservé du pied de page 4"/>
+          <p:cNvSpPr>
+            <a:spLocks noGrp="1"/>
+          </p:cNvSpPr>
+          <p:nvPr>
+            <p:ph type="ftr" sz="quarter" idx="11"/>
+          </p:nvPr>
+        </p:nvSpPr>
+        <p:spPr/>
+        <p:txBody>
+          <a:bodyPr/>
+          <a:lstStyle/>
+          <a:p>
+            <a:r>
+              <a:rPr lang="fr-FR" dirty="0" smtClean="0"/>
+              <a:t>MINE Nicolas</a:t>
+            </a:r>
+            <a:endParaRPr lang="fr-FR" dirty="0"/>
+          </a:p>
+        </p:txBody>
+      </p:sp>
+      <p:pic>
+        <p:nvPicPr>
+          <p:cNvPr id="5122" name="Picture 2" descr="F:\Nicolas\Documents\OpenClassRoom\Projet 3 - recomm. de films\PCA2d.png"/>
+          <p:cNvPicPr>
+            <a:picLocks noChangeAspect="1" noChangeArrowheads="1"/>
+          </p:cNvPicPr>
+          <p:nvPr/>
+        </p:nvPicPr>
+        <p:blipFill>
+          <a:blip r:embed="rId2">
+            <a:clrChange>
+              <a:clrFrom>
+                <a:srgbClr val="FFFFFF"/>
+              </a:clrFrom>
+              <a:clrTo>
+                <a:srgbClr val="FFFFFF">
+                  <a:alpha val="0"/>
+                </a:srgbClr>
+              </a:clrTo>
+            </a:clrChange>
+            <a:extLst>
+              <a:ext uri="{28A0092B-C50C-407E-A947-70E740481C1C}">
+                <a14:useLocalDpi xmlns:a14="http://schemas.microsoft.com/office/drawing/2010/main" val="0"/>
+              </a:ext>
+            </a:extLst>
+          </a:blip>
+          <a:srcRect/>
+          <a:stretch>
+            <a:fillRect/>
+          </a:stretch>
+        </p:blipFill>
+        <p:spPr bwMode="auto">
+          <a:xfrm>
+            <a:off x="5868144" y="1340768"/>
+            <a:ext cx="3409081" cy="2273050"/>
+          </a:xfrm>
+          <a:prstGeom prst="rect">
+            <a:avLst/>
+          </a:prstGeom>
+          <a:noFill/>
+          <a:extLst>
+            <a:ext uri="{909E8E84-426E-40DD-AFC4-6F175D3DCCD1}">
+              <a14:hiddenFill xmlns:a14="http://schemas.microsoft.com/office/drawing/2010/main">
+                <a:solidFill>
+                  <a:srgbClr val="FFFFFF"/>
+                </a:solidFill>
+              </a14:hiddenFill>
+            </a:ext>
+          </a:extLst>
+        </p:spPr>
+      </p:pic>
+      <p:pic>
+        <p:nvPicPr>
+          <p:cNvPr id="5123" name="Picture 3" descr="F:\Nicolas\Documents\OpenClassRoom\Projet 3 - recomm. de films\PCA3d.png"/>
+          <p:cNvPicPr>
+            <a:picLocks noChangeAspect="1" noChangeArrowheads="1"/>
+          </p:cNvPicPr>
+          <p:nvPr/>
+        </p:nvPicPr>
+        <p:blipFill>
+          <a:blip r:embed="rId3">
+            <a:clrChange>
+              <a:clrFrom>
+                <a:srgbClr val="FFFFFF"/>
+              </a:clrFrom>
+              <a:clrTo>
+                <a:srgbClr val="FFFFFF">
+                  <a:alpha val="0"/>
+                </a:srgbClr>
+              </a:clrTo>
+            </a:clrChange>
+            <a:extLst>
+              <a:ext uri="{28A0092B-C50C-407E-A947-70E740481C1C}">
+                <a14:useLocalDpi xmlns:a14="http://schemas.microsoft.com/office/drawing/2010/main" val="0"/>
+              </a:ext>
+            </a:extLst>
+          </a:blip>
+          <a:srcRect/>
+          <a:stretch>
+            <a:fillRect/>
+          </a:stretch>
+        </p:blipFill>
+        <p:spPr bwMode="auto">
+          <a:xfrm>
+            <a:off x="4259263" y="3140968"/>
+            <a:ext cx="5550006" cy="4269235"/>
+          </a:xfrm>
+          <a:prstGeom prst="rect">
+            <a:avLst/>
+          </a:prstGeom>
+          <a:noFill/>
+          <a:extLst>
+            <a:ext uri="{909E8E84-426E-40DD-AFC4-6F175D3DCCD1}">
+              <a14:hiddenFill xmlns:a14="http://schemas.microsoft.com/office/drawing/2010/main">
+                <a:solidFill>
+                  <a:srgbClr val="FFFFFF"/>
+                </a:solidFill>
+              </a14:hiddenFill>
+            </a:ext>
+          </a:extLst>
+        </p:spPr>
+      </p:pic>
+      <p:sp>
+        <p:nvSpPr>
+          <p:cNvPr id="8" name="ZoneTexte 7"/>
+          <p:cNvSpPr txBox="1"/>
+          <p:nvPr/>
+        </p:nvSpPr>
+        <p:spPr>
+          <a:xfrm>
+            <a:off x="1907704" y="4648487"/>
+            <a:ext cx="4248472" cy="2092881"/>
+          </a:xfrm>
+          <a:prstGeom prst="rect">
+            <a:avLst/>
+          </a:prstGeom>
+          <a:noFill/>
+        </p:spPr>
+        <p:txBody>
+          <a:bodyPr wrap="square" rtlCol="0">
+            <a:spAutoFit/>
+          </a:bodyPr>
+          <a:lstStyle/>
+          <a:p>
+            <a:r>
+              <a:rPr lang="fr-FR" sz="1600" b="1" dirty="0"/>
+              <a:t>Entrée : </a:t>
+            </a:r>
+            <a:endParaRPr lang="fr-FR" sz="1600" b="1" dirty="0" smtClean="0"/>
+          </a:p>
+          <a:p>
+            <a:pPr marL="285750" indent="-285750">
+              <a:buFont typeface="Wingdings" pitchFamily="2" charset="2"/>
+              <a:buChar char="Ø"/>
+            </a:pPr>
+            <a:r>
+              <a:rPr lang="fr-FR" sz="1600" dirty="0" err="1" smtClean="0"/>
+              <a:t>Spider-Man</a:t>
+            </a:r>
+            <a:r>
+              <a:rPr lang="fr-FR" sz="1600" dirty="0" smtClean="0"/>
+              <a:t> 3</a:t>
+            </a:r>
+          </a:p>
+          <a:p>
+            <a:r>
+              <a:rPr lang="fr-FR" sz="1600" b="1" dirty="0" smtClean="0"/>
+              <a:t>Sortie :</a:t>
+            </a:r>
+          </a:p>
+          <a:p>
+            <a:pPr marL="285750" indent="-285750">
+              <a:buFont typeface="Wingdings" pitchFamily="2" charset="2"/>
+              <a:buChar char="Ø"/>
+            </a:pPr>
+            <a:r>
+              <a:rPr lang="fr-FR" sz="1600" dirty="0"/>
+              <a:t>The </a:t>
+            </a:r>
+            <a:r>
+              <a:rPr lang="fr-FR" sz="1600" dirty="0" err="1"/>
+              <a:t>Three</a:t>
+            </a:r>
+            <a:r>
+              <a:rPr lang="fr-FR" sz="1600" dirty="0"/>
+              <a:t> </a:t>
+            </a:r>
+            <a:r>
+              <a:rPr lang="fr-FR" sz="1600" dirty="0" err="1" smtClean="0"/>
+              <a:t>Musketeers</a:t>
+            </a:r>
+            <a:endParaRPr lang="fr-FR" sz="1600" dirty="0" smtClean="0"/>
+          </a:p>
+          <a:p>
+            <a:pPr marL="285750" indent="-285750">
+              <a:buFont typeface="Wingdings" pitchFamily="2" charset="2"/>
+              <a:buChar char="Ø"/>
+            </a:pPr>
+            <a:r>
+              <a:rPr lang="fr-FR" sz="1600" dirty="0"/>
+              <a:t>The </a:t>
+            </a:r>
+            <a:r>
+              <a:rPr lang="fr-FR" sz="1600" dirty="0" err="1" smtClean="0"/>
+              <a:t>Musketeer</a:t>
+            </a:r>
+            <a:endParaRPr lang="fr-FR" sz="1600" dirty="0" smtClean="0"/>
+          </a:p>
+          <a:p>
+            <a:pPr marL="285750" indent="-285750">
+              <a:buFont typeface="Wingdings" pitchFamily="2" charset="2"/>
+              <a:buChar char="Ø"/>
+            </a:pPr>
+            <a:r>
+              <a:rPr lang="en-US" sz="1600" dirty="0"/>
+              <a:t>The Charge of the Light </a:t>
+            </a:r>
+            <a:r>
+              <a:rPr lang="en-US" sz="1600" dirty="0" smtClean="0"/>
+              <a:t>Brigade</a:t>
+            </a:r>
+          </a:p>
+          <a:p>
+            <a:pPr marL="285750" indent="-285750">
+              <a:buFont typeface="Wingdings" pitchFamily="2" charset="2"/>
+              <a:buChar char="Ø"/>
+            </a:pPr>
+            <a:r>
+              <a:rPr lang="fr-FR" sz="1600" dirty="0" err="1" smtClean="0"/>
+              <a:t>Ironclad</a:t>
+            </a:r>
+            <a:endParaRPr lang="fr-FR" sz="1600" dirty="0" smtClean="0"/>
+          </a:p>
+          <a:p>
+            <a:pPr marL="285750" indent="-285750">
+              <a:buFont typeface="Wingdings" pitchFamily="2" charset="2"/>
+              <a:buChar char="Ø"/>
+            </a:pPr>
+            <a:r>
+              <a:rPr lang="fr-FR" sz="1600" dirty="0" err="1"/>
+              <a:t>Red</a:t>
+            </a:r>
+            <a:r>
+              <a:rPr lang="fr-FR" sz="1600" dirty="0"/>
+              <a:t> River</a:t>
+            </a:r>
+          </a:p>
+        </p:txBody>
+      </p:sp>
+    </p:spTree>
+    <p:extLst>
+      <p:ext uri="{BB962C8B-B14F-4D97-AF65-F5344CB8AC3E}">
+        <p14:creationId xmlns:p14="http://schemas.microsoft.com/office/powerpoint/2010/main" val="3346240342"/>
+      </p:ext>
+    </p:extLst>
+  </p:cSld>
+  <p:clrMapOvr>
+    <a:masterClrMapping/>
+  </p:clrMapOvr>
+  <p:timing>
+    <p:tnLst>
+      <p:par>
+        <p:cTn id="1" dur="indefinite" restart="never" nodeType="tmRoot"/>
+      </p:par>
+    </p:tnLst>
+  </p:timing>
+</p:sld>
+</file>
+
+<file path=ppt/slides/slide15.xml><?xml version="1.0" encoding="utf-8"?>
+<p:sld xmlns:a="http://schemas.openxmlformats.org/drawingml/2006/main" xmlns:r="http://schemas.openxmlformats.org/officeDocument/2006/relationships" xmlns:p="http://schemas.openxmlformats.org/presentationml/2006/main">
+  <p:cSld>
+    <p:spTree>
+      <p:nvGrpSpPr>
+        <p:cNvPr id="1" name=""/>
+        <p:cNvGrpSpPr/>
+        <p:nvPr/>
+      </p:nvGrpSpPr>
+      <p:grpSpPr>
+        <a:xfrm>
+          <a:off x="0" y="0"/>
+          <a:ext cx="0" cy="0"/>
+          <a:chOff x="0" y="0"/>
+          <a:chExt cx="0" cy="0"/>
+        </a:xfrm>
+      </p:grpSpPr>
+      <p:sp>
+        <p:nvSpPr>
+          <p:cNvPr id="2" name="Titre 1"/>
+          <p:cNvSpPr>
+            <a:spLocks noGrp="1"/>
+          </p:cNvSpPr>
+          <p:nvPr>
+            <p:ph type="title"/>
+          </p:nvPr>
+        </p:nvSpPr>
+        <p:spPr/>
+        <p:txBody>
+          <a:bodyPr/>
+          <a:lstStyle/>
+          <a:p>
+            <a:r>
+              <a:rPr lang="fr-FR" dirty="0">
+                <a:solidFill>
+                  <a:srgbClr val="95023C"/>
+                </a:solidFill>
+              </a:rPr>
+              <a:t>Modèle final</a:t>
+            </a:r>
+          </a:p>
+        </p:txBody>
+      </p:sp>
+      <p:sp>
+        <p:nvSpPr>
+          <p:cNvPr id="3" name="Espace réservé du contenu 2"/>
+          <p:cNvSpPr>
+            <a:spLocks noGrp="1"/>
+          </p:cNvSpPr>
+          <p:nvPr>
+            <p:ph idx="1"/>
+          </p:nvPr>
+        </p:nvSpPr>
+        <p:spPr/>
+        <p:txBody>
+          <a:bodyPr>
+            <a:normAutofit/>
+          </a:bodyPr>
+          <a:lstStyle/>
+          <a:p>
+            <a:pPr>
+              <a:buFont typeface="Wingdings" pitchFamily="2" charset="2"/>
+              <a:buChar char="Ø"/>
+            </a:pPr>
+            <a:r>
+              <a:rPr lang="fr-FR" dirty="0">
+                <a:solidFill>
+                  <a:srgbClr val="E8750C"/>
+                </a:solidFill>
+              </a:rPr>
+              <a:t>Mise en place</a:t>
+            </a:r>
+          </a:p>
+          <a:p>
+            <a:pPr lvl="1">
               <a:buFont typeface="Wingdings" pitchFamily="2" charset="2"/>
               <a:buChar char="Ø"/>
             </a:pPr>
@@ -4305,7 +6576,7 @@
                   <a:srgbClr val="E8750C"/>
                 </a:solidFill>
               </a:rPr>
-              <a:t>Cluster très séparés</a:t>
+              <a:t>Modèle choisi :TSNE</a:t>
             </a:r>
           </a:p>
           <a:p>
@@ -4319,7 +6590,7 @@
                   <a:srgbClr val="E8750C"/>
                 </a:solidFill>
               </a:rPr>
-              <a:t>Spectral </a:t>
+              <a:t>Optimisation basé sur </a:t>
             </a:r>
             <a:r>
               <a:rPr lang="fr-FR" dirty="0" err="1" smtClean="0">
@@ -4327,7 +6598,56 @@
                   <a:srgbClr val="E8750C"/>
                 </a:solidFill>
               </a:rPr>
-              <a:t>Embedding</a:t>
+              <a:t>kl_divergent</a:t>
+            </a:r>
+            <a:endParaRPr lang="fr-FR" dirty="0">
+              <a:solidFill>
+                <a:srgbClr val="E8750C"/>
+              </a:solidFill>
+            </a:endParaRPr>
+          </a:p>
+          <a:p>
+            <a:pPr lvl="1">
+              <a:buFont typeface="Wingdings" pitchFamily="2" charset="2"/>
+              <a:buChar char="Ø"/>
+            </a:pPr>
+            <a:r>
+              <a:rPr lang="fr-FR" dirty="0" smtClean="0">
+                <a:solidFill>
+                  <a:srgbClr val="E8750C"/>
+                </a:solidFill>
+              </a:rPr>
+              <a:t>Agrégation des coordonnées au </a:t>
+            </a:r>
+            <a:r>
+              <a:rPr lang="fr-FR" dirty="0" err="1" smtClean="0">
+                <a:solidFill>
+                  <a:srgbClr val="E8750C"/>
+                </a:solidFill>
+              </a:rPr>
+              <a:t>dataset</a:t>
+            </a:r>
+            <a:r>
+              <a:rPr lang="fr-FR" dirty="0" smtClean="0">
+                <a:solidFill>
+                  <a:srgbClr val="E8750C"/>
+                </a:solidFill>
+              </a:rPr>
+              <a:t> non encodé</a:t>
+            </a:r>
+          </a:p>
+          <a:p>
+            <a:pPr lvl="1">
+              <a:buFont typeface="Wingdings" pitchFamily="2" charset="2"/>
+              <a:buChar char="Ø"/>
+            </a:pPr>
+            <a:r>
+              <a:rPr lang="fr-FR" dirty="0" smtClean="0">
+                <a:solidFill>
+                  <a:srgbClr val="E8750C"/>
+                </a:solidFill>
+              </a:rPr>
+              <a:t>Récupération des n-pts les plus proche</a:t>
             </a:r>
             <a:endParaRPr lang="fr-FR" dirty="0" smtClean="0">
               <a:solidFill>
@@ -4335,8 +6655,135 @@
               </a:solidFill>
             </a:endParaRPr>
           </a:p>
-          <a:p>
-            <a:pPr lvl="2">
+        </p:txBody>
+      </p:sp>
+      <p:sp>
+        <p:nvSpPr>
+          <p:cNvPr id="4" name="Espace réservé de la date 3"/>
+          <p:cNvSpPr>
+            <a:spLocks noGrp="1"/>
+          </p:cNvSpPr>
+          <p:nvPr>
+            <p:ph type="dt" sz="half" idx="10"/>
+          </p:nvPr>
+        </p:nvSpPr>
+        <p:spPr/>
+        <p:txBody>
+          <a:bodyPr/>
+          <a:lstStyle/>
+          <a:p>
+            <a:fld id="{30547005-2CCE-4AAF-810C-C33FB4661996}" type="datetime1">
+              <a:rPr lang="fr-FR" smtClean="0"/>
+              <a:t>19/11/2017</a:t>
+            </a:fld>
+            <a:endParaRPr lang="fr-FR"/>
+          </a:p>
+        </p:txBody>
+      </p:sp>
+      <p:sp>
+        <p:nvSpPr>
+          <p:cNvPr id="5" name="Espace réservé du pied de page 4"/>
+          <p:cNvSpPr>
+            <a:spLocks noGrp="1"/>
+          </p:cNvSpPr>
+          <p:nvPr>
+            <p:ph type="ftr" sz="quarter" idx="11"/>
+          </p:nvPr>
+        </p:nvSpPr>
+        <p:spPr/>
+        <p:txBody>
+          <a:bodyPr/>
+          <a:lstStyle/>
+          <a:p>
+            <a:r>
+              <a:rPr lang="fr-FR" dirty="0" smtClean="0"/>
+              <a:t>MINE Nicolas</a:t>
+            </a:r>
+            <a:endParaRPr lang="fr-FR" dirty="0"/>
+          </a:p>
+        </p:txBody>
+      </p:sp>
+    </p:spTree>
+    <p:extLst>
+      <p:ext uri="{BB962C8B-B14F-4D97-AF65-F5344CB8AC3E}">
+        <p14:creationId xmlns:p14="http://schemas.microsoft.com/office/powerpoint/2010/main" val="3931257705"/>
+      </p:ext>
+    </p:extLst>
+  </p:cSld>
+  <p:clrMapOvr>
+    <a:masterClrMapping/>
+  </p:clrMapOvr>
+  <p:timing>
+    <p:tnLst>
+      <p:par>
+        <p:cTn id="1" dur="indefinite" restart="never" nodeType="tmRoot"/>
+      </p:par>
+    </p:tnLst>
+  </p:timing>
+</p:sld>
+</file>
+
+<file path=ppt/slides/slide16.xml><?xml version="1.0" encoding="utf-8"?>
+<p:sld xmlns:a="http://schemas.openxmlformats.org/drawingml/2006/main" xmlns:r="http://schemas.openxmlformats.org/officeDocument/2006/relationships" xmlns:p="http://schemas.openxmlformats.org/presentationml/2006/main">
+  <p:cSld>
+    <p:spTree>
+      <p:nvGrpSpPr>
+        <p:cNvPr id="1" name=""/>
+        <p:cNvGrpSpPr/>
+        <p:nvPr/>
+      </p:nvGrpSpPr>
+      <p:grpSpPr>
+        <a:xfrm>
+          <a:off x="0" y="0"/>
+          <a:ext cx="0" cy="0"/>
+          <a:chOff x="0" y="0"/>
+          <a:chExt cx="0" cy="0"/>
+        </a:xfrm>
+      </p:grpSpPr>
+      <p:sp>
+        <p:nvSpPr>
+          <p:cNvPr id="2" name="Titre 1"/>
+          <p:cNvSpPr>
+            <a:spLocks noGrp="1"/>
+          </p:cNvSpPr>
+          <p:nvPr>
+            <p:ph type="title"/>
+          </p:nvPr>
+        </p:nvSpPr>
+        <p:spPr/>
+        <p:txBody>
+          <a:bodyPr/>
+          <a:lstStyle/>
+          <a:p>
+            <a:r>
+              <a:rPr lang="fr-FR" dirty="0">
+                <a:solidFill>
+                  <a:srgbClr val="95023C"/>
+                </a:solidFill>
+              </a:rPr>
+              <a:t>Modèle final</a:t>
+            </a:r>
+          </a:p>
+        </p:txBody>
+      </p:sp>
+      <p:sp>
+        <p:nvSpPr>
+          <p:cNvPr id="3" name="Espace réservé du contenu 2"/>
+          <p:cNvSpPr>
+            <a:spLocks noGrp="1"/>
+          </p:cNvSpPr>
+          <p:nvPr>
+            <p:ph idx="1"/>
+          </p:nvPr>
+        </p:nvSpPr>
+        <p:spPr/>
+        <p:txBody>
+          <a:bodyPr>
+            <a:normAutofit/>
+          </a:bodyPr>
+          <a:lstStyle/>
+          <a:p>
+            <a:pPr>
               <a:buFont typeface="Wingdings" pitchFamily="2" charset="2"/>
               <a:buChar char="Ø"/>
             </a:pPr>
@@ -4346,7 +6793,26 @@
                   <a:srgbClr val="E8750C"/>
                 </a:solidFill>
               </a:rPr>
-              <a:t>« Même principe » que K-</a:t>
+              <a:t>API</a:t>
+            </a:r>
+            <a:endParaRPr lang="fr-FR" dirty="0">
+              <a:solidFill>
+                <a:srgbClr val="E8750C"/>
+              </a:solidFill>
+            </a:endParaRPr>
+          </a:p>
+          <a:p>
+            <a:pPr lvl="1">
+              <a:buFont typeface="Wingdings" pitchFamily="2" charset="2"/>
+              <a:buChar char="Ø"/>
+            </a:pPr>
+            <a:r>
+              <a:rPr lang="fr-FR" dirty="0" smtClean="0">
+                <a:solidFill>
+                  <a:srgbClr val="E8750C"/>
+                </a:solidFill>
+              </a:rPr>
+              <a:t>Utilisation du </a:t>
             </a:r>
             <a:r>
               <a:rPr lang="fr-FR" dirty="0" err="1" smtClean="0">
@@ -4354,7 +6820,156 @@
                   <a:srgbClr val="E8750C"/>
                 </a:solidFill>
               </a:rPr>
-              <a:t>means</a:t>
+              <a:t>dataset</a:t>
+            </a:r>
+            <a:r>
+              <a:rPr lang="fr-FR" dirty="0" smtClean="0">
+                <a:solidFill>
+                  <a:srgbClr val="E8750C"/>
+                </a:solidFill>
+              </a:rPr>
+              <a:t> non encodé</a:t>
+            </a:r>
+          </a:p>
+          <a:p>
+            <a:pPr lvl="1">
+              <a:buFont typeface="Wingdings" pitchFamily="2" charset="2"/>
+              <a:buChar char="Ø"/>
+            </a:pPr>
+            <a:r>
+              <a:rPr lang="fr-FR" dirty="0" smtClean="0">
+                <a:solidFill>
+                  <a:srgbClr val="E8750C"/>
+                </a:solidFill>
+              </a:rPr>
+              <a:t>Sauvegarde de paramètres sur </a:t>
+            </a:r>
+            <a:r>
+              <a:rPr lang="fr-FR" dirty="0" err="1" smtClean="0">
+                <a:solidFill>
+                  <a:srgbClr val="E8750C"/>
+                </a:solidFill>
+              </a:rPr>
+              <a:t>pickle</a:t>
+            </a:r>
+            <a:endParaRPr lang="fr-FR" dirty="0">
+              <a:solidFill>
+                <a:srgbClr val="E8750C"/>
+              </a:solidFill>
+            </a:endParaRPr>
+          </a:p>
+          <a:p>
+            <a:pPr lvl="1">
+              <a:buFont typeface="Wingdings" pitchFamily="2" charset="2"/>
+              <a:buChar char="Ø"/>
+            </a:pPr>
+            <a:r>
+              <a:rPr lang="fr-FR" dirty="0" err="1" smtClean="0">
+                <a:solidFill>
+                  <a:srgbClr val="E8750C"/>
+                </a:solidFill>
+              </a:rPr>
+              <a:t>Creation</a:t>
+            </a:r>
+            <a:r>
+              <a:rPr lang="fr-FR" dirty="0" smtClean="0">
+                <a:solidFill>
+                  <a:srgbClr val="E8750C"/>
+                </a:solidFill>
+              </a:rPr>
+              <a:t> petite API </a:t>
+            </a:r>
+            <a:r>
+              <a:rPr lang="fr-FR" dirty="0" err="1" smtClean="0">
+                <a:solidFill>
+                  <a:srgbClr val="E8750C"/>
+                </a:solidFill>
+              </a:rPr>
+              <a:t>Flask</a:t>
+            </a:r>
+            <a:r>
+              <a:rPr lang="fr-FR" dirty="0" smtClean="0">
+                <a:solidFill>
+                  <a:srgbClr val="E8750C"/>
+                </a:solidFill>
+              </a:rPr>
+              <a:t> (page d’</a:t>
+            </a:r>
+            <a:r>
+              <a:rPr lang="fr-FR" dirty="0" err="1" smtClean="0">
+                <a:solidFill>
+                  <a:srgbClr val="E8750C"/>
+                </a:solidFill>
+              </a:rPr>
+              <a:t>acceuil</a:t>
+            </a:r>
+            <a:r>
+              <a:rPr lang="fr-FR" dirty="0" smtClean="0">
+                <a:solidFill>
+                  <a:srgbClr val="E8750C"/>
+                </a:solidFill>
+              </a:rPr>
+              <a:t> et recommandation)</a:t>
+            </a:r>
+          </a:p>
+          <a:p>
+            <a:pPr lvl="1">
+              <a:buFont typeface="Wingdings" pitchFamily="2" charset="2"/>
+              <a:buChar char="Ø"/>
+            </a:pPr>
+            <a:r>
+              <a:rPr lang="fr-FR" dirty="0" smtClean="0">
+                <a:solidFill>
+                  <a:srgbClr val="E8750C"/>
+                </a:solidFill>
+              </a:rPr>
+              <a:t>Utilisation du </a:t>
+            </a:r>
+            <a:r>
+              <a:rPr lang="fr-FR" dirty="0" err="1" smtClean="0">
+                <a:solidFill>
+                  <a:srgbClr val="E8750C"/>
+                </a:solidFill>
+              </a:rPr>
+              <a:t>dataset</a:t>
+            </a:r>
+            <a:r>
+              <a:rPr lang="fr-FR" dirty="0" smtClean="0">
+                <a:solidFill>
+                  <a:srgbClr val="E8750C"/>
+                </a:solidFill>
+              </a:rPr>
+              <a:t> pour </a:t>
+            </a:r>
+            <a:r>
+              <a:rPr lang="fr-FR" dirty="0" err="1" smtClean="0">
+                <a:solidFill>
+                  <a:srgbClr val="E8750C"/>
+                </a:solidFill>
+              </a:rPr>
+              <a:t>recupérer</a:t>
+            </a:r>
+            <a:r>
+              <a:rPr lang="fr-FR" dirty="0" smtClean="0">
+                <a:solidFill>
+                  <a:srgbClr val="E8750C"/>
+                </a:solidFill>
+              </a:rPr>
+              <a:t> les champ principaux basé sur la distance euclidienne</a:t>
+            </a:r>
+          </a:p>
+          <a:p>
+            <a:pPr marL="0" indent="0" algn="ctr">
+              <a:buNone/>
+            </a:pPr>
+            <a:r>
+              <a:rPr lang="fr-FR" dirty="0">
+                <a:solidFill>
+                  <a:srgbClr val="E8750C"/>
+                </a:solidFill>
+                <a:hlinkClick r:id="rId2"/>
+              </a:rPr>
+              <a:t>http://coni57.pythonanywhere.com/</a:t>
             </a:r>
             <a:endParaRPr lang="fr-FR" dirty="0" smtClean="0">
               <a:solidFill>
@@ -4381,7 +6996,7 @@
           <a:p>
             <a:fld id="{30547005-2CCE-4AAF-810C-C33FB4661996}" type="datetime1">
               <a:rPr lang="fr-FR" smtClean="0"/>
-              <a:t>18/11/2017</a:t>
+              <a:t>19/11/2017</a:t>
             </a:fld>
             <a:endParaRPr lang="fr-FR"/>
           </a:p>
@@ -4413,7 +7028,413 @@
     </p:spTree>
     <p:extLst>
       <p:ext uri="{BB962C8B-B14F-4D97-AF65-F5344CB8AC3E}">
-        <p14:creationId xmlns:p14="http://schemas.microsoft.com/office/powerpoint/2010/main" val="3931257705"/>
+        <p14:creationId xmlns:p14="http://schemas.microsoft.com/office/powerpoint/2010/main" val="2251154735"/>
+      </p:ext>
+    </p:extLst>
+  </p:cSld>
+  <p:clrMapOvr>
+    <a:masterClrMapping/>
+  </p:clrMapOvr>
+  <p:timing>
+    <p:tnLst>
+      <p:par>
+        <p:cTn id="1" dur="indefinite" restart="never" nodeType="tmRoot"/>
+      </p:par>
+    </p:tnLst>
+  </p:timing>
+</p:sld>
+</file>
+
+<file path=ppt/slides/slide17.xml><?xml version="1.0" encoding="utf-8"?>
+<p:sld xmlns:a="http://schemas.openxmlformats.org/drawingml/2006/main" xmlns:r="http://schemas.openxmlformats.org/officeDocument/2006/relationships" xmlns:p="http://schemas.openxmlformats.org/presentationml/2006/main">
+  <p:cSld>
+    <p:spTree>
+      <p:nvGrpSpPr>
+        <p:cNvPr id="1" name=""/>
+        <p:cNvGrpSpPr/>
+        <p:nvPr/>
+      </p:nvGrpSpPr>
+      <p:grpSpPr>
+        <a:xfrm>
+          <a:off x="0" y="0"/>
+          <a:ext cx="0" cy="0"/>
+          <a:chOff x="0" y="0"/>
+          <a:chExt cx="0" cy="0"/>
+        </a:xfrm>
+      </p:grpSpPr>
+      <p:sp>
+        <p:nvSpPr>
+          <p:cNvPr id="2" name="Titre 1"/>
+          <p:cNvSpPr>
+            <a:spLocks noGrp="1"/>
+          </p:cNvSpPr>
+          <p:nvPr>
+            <p:ph type="title"/>
+          </p:nvPr>
+        </p:nvSpPr>
+        <p:spPr/>
+        <p:txBody>
+          <a:bodyPr/>
+          <a:lstStyle/>
+          <a:p>
+            <a:r>
+              <a:rPr lang="fr-FR" dirty="0" smtClean="0">
+                <a:solidFill>
+                  <a:srgbClr val="95023C"/>
+                </a:solidFill>
+              </a:rPr>
+              <a:t>Conclusion</a:t>
+            </a:r>
+            <a:endParaRPr lang="fr-FR" dirty="0">
+              <a:solidFill>
+                <a:srgbClr val="95023C"/>
+              </a:solidFill>
+            </a:endParaRPr>
+          </a:p>
+        </p:txBody>
+      </p:sp>
+      <p:sp>
+        <p:nvSpPr>
+          <p:cNvPr id="3" name="Espace réservé du contenu 2"/>
+          <p:cNvSpPr>
+            <a:spLocks noGrp="1"/>
+          </p:cNvSpPr>
+          <p:nvPr>
+            <p:ph idx="1"/>
+          </p:nvPr>
+        </p:nvSpPr>
+        <p:spPr/>
+        <p:txBody>
+          <a:bodyPr>
+            <a:normAutofit lnSpcReduction="10000"/>
+          </a:bodyPr>
+          <a:lstStyle/>
+          <a:p>
+            <a:pPr>
+              <a:buFont typeface="Wingdings" pitchFamily="2" charset="2"/>
+              <a:buChar char="Ø"/>
+            </a:pPr>
+            <a:r>
+              <a:rPr lang="fr-FR" dirty="0" smtClean="0">
+                <a:solidFill>
+                  <a:srgbClr val="E8750C"/>
+                </a:solidFill>
+              </a:rPr>
+              <a:t>Peu de critère initiaux</a:t>
+            </a:r>
+          </a:p>
+          <a:p>
+            <a:pPr lvl="1">
+              <a:buFont typeface="Wingdings" pitchFamily="2" charset="2"/>
+              <a:buChar char="Ø"/>
+            </a:pPr>
+            <a:r>
+              <a:rPr lang="fr-FR" dirty="0" smtClean="0">
+                <a:solidFill>
+                  <a:srgbClr val="E8750C"/>
+                </a:solidFill>
+              </a:rPr>
+              <a:t>Seulement 28 </a:t>
+            </a:r>
+            <a:r>
+              <a:rPr lang="fr-FR" dirty="0" err="1" smtClean="0">
+                <a:solidFill>
+                  <a:srgbClr val="E8750C"/>
+                </a:solidFill>
+              </a:rPr>
+              <a:t>features</a:t>
+            </a:r>
+            <a:endParaRPr lang="fr-FR" dirty="0" smtClean="0">
+              <a:solidFill>
+                <a:srgbClr val="E8750C"/>
+              </a:solidFill>
+            </a:endParaRPr>
+          </a:p>
+          <a:p>
+            <a:pPr>
+              <a:buFont typeface="Wingdings" pitchFamily="2" charset="2"/>
+              <a:buChar char="Ø"/>
+            </a:pPr>
+            <a:r>
+              <a:rPr lang="fr-FR" dirty="0" smtClean="0">
+                <a:solidFill>
+                  <a:srgbClr val="E8750C"/>
+                </a:solidFill>
+              </a:rPr>
+              <a:t>Modèles difficile a évaluer </a:t>
+            </a:r>
+          </a:p>
+          <a:p>
+            <a:pPr lvl="1">
+              <a:buFont typeface="Wingdings" pitchFamily="2" charset="2"/>
+              <a:buChar char="Ø"/>
+            </a:pPr>
+            <a:r>
+              <a:rPr lang="fr-FR" dirty="0" smtClean="0">
+                <a:solidFill>
+                  <a:srgbClr val="E8750C"/>
+                </a:solidFill>
+              </a:rPr>
+              <a:t>Pas de labels</a:t>
+            </a:r>
+          </a:p>
+          <a:p>
+            <a:pPr lvl="1">
+              <a:buFont typeface="Wingdings" pitchFamily="2" charset="2"/>
+              <a:buChar char="Ø"/>
+            </a:pPr>
+            <a:r>
+              <a:rPr lang="fr-FR" dirty="0" smtClean="0">
+                <a:solidFill>
+                  <a:srgbClr val="E8750C"/>
+                </a:solidFill>
+              </a:rPr>
+              <a:t>Nombre de clusters inconnus</a:t>
+            </a:r>
+          </a:p>
+          <a:p>
+            <a:pPr lvl="1">
+              <a:buFont typeface="Wingdings" pitchFamily="2" charset="2"/>
+              <a:buChar char="Ø"/>
+            </a:pPr>
+            <a:r>
+              <a:rPr lang="fr-FR" dirty="0" smtClean="0">
+                <a:solidFill>
+                  <a:srgbClr val="E8750C"/>
+                </a:solidFill>
+              </a:rPr>
+              <a:t>Manifolds fonctionnent mieux que cluster</a:t>
+            </a:r>
+          </a:p>
+          <a:p>
+            <a:pPr lvl="2">
+              <a:buFont typeface="Wingdings" pitchFamily="2" charset="2"/>
+              <a:buChar char="Ø"/>
+            </a:pPr>
+            <a:r>
+              <a:rPr lang="fr-FR" dirty="0" smtClean="0">
+                <a:solidFill>
+                  <a:srgbClr val="E8750C"/>
+                </a:solidFill>
+              </a:rPr>
+              <a:t>Initialisation importante</a:t>
+            </a:r>
+          </a:p>
+          <a:p>
+            <a:pPr>
+              <a:buFont typeface="Wingdings" pitchFamily="2" charset="2"/>
+              <a:buChar char="Ø"/>
+            </a:pPr>
+            <a:r>
+              <a:rPr lang="fr-FR" dirty="0" smtClean="0">
+                <a:solidFill>
+                  <a:srgbClr val="E8750C"/>
+                </a:solidFill>
+              </a:rPr>
+              <a:t>Résultat satisfaisant surtout pour TSNE</a:t>
+            </a:r>
+          </a:p>
+          <a:p>
+            <a:pPr lvl="1">
+              <a:buFont typeface="Wingdings" pitchFamily="2" charset="2"/>
+              <a:buChar char="Ø"/>
+            </a:pPr>
+            <a:r>
+              <a:rPr lang="fr-FR" dirty="0" smtClean="0">
+                <a:solidFill>
+                  <a:srgbClr val="E8750C"/>
+                </a:solidFill>
+              </a:rPr>
+              <a:t>Les autres ne prédisent même pas les suites</a:t>
+            </a:r>
+          </a:p>
+          <a:p>
+            <a:pPr lvl="1">
+              <a:buFont typeface="Wingdings" pitchFamily="2" charset="2"/>
+              <a:buChar char="Ø"/>
+            </a:pPr>
+            <a:endParaRPr lang="fr-FR" dirty="0" smtClean="0">
+              <a:solidFill>
+                <a:srgbClr val="E8750C"/>
+              </a:solidFill>
+            </a:endParaRPr>
+          </a:p>
+        </p:txBody>
+      </p:sp>
+      <p:sp>
+        <p:nvSpPr>
+          <p:cNvPr id="4" name="Espace réservé de la date 3"/>
+          <p:cNvSpPr>
+            <a:spLocks noGrp="1"/>
+          </p:cNvSpPr>
+          <p:nvPr>
+            <p:ph type="dt" sz="half" idx="10"/>
+          </p:nvPr>
+        </p:nvSpPr>
+        <p:spPr/>
+        <p:txBody>
+          <a:bodyPr/>
+          <a:lstStyle/>
+          <a:p>
+            <a:fld id="{30547005-2CCE-4AAF-810C-C33FB4661996}" type="datetime1">
+              <a:rPr lang="fr-FR" smtClean="0"/>
+              <a:t>19/11/2017</a:t>
+            </a:fld>
+            <a:endParaRPr lang="fr-FR"/>
+          </a:p>
+        </p:txBody>
+      </p:sp>
+      <p:sp>
+        <p:nvSpPr>
+          <p:cNvPr id="5" name="Espace réservé du pied de page 4"/>
+          <p:cNvSpPr>
+            <a:spLocks noGrp="1"/>
+          </p:cNvSpPr>
+          <p:nvPr>
+            <p:ph type="ftr" sz="quarter" idx="11"/>
+          </p:nvPr>
+        </p:nvSpPr>
+        <p:spPr/>
+        <p:txBody>
+          <a:bodyPr/>
+          <a:lstStyle/>
+          <a:p>
+            <a:r>
+              <a:rPr lang="fr-FR" dirty="0" smtClean="0"/>
+              <a:t>MINE Nicolas</a:t>
+            </a:r>
+            <a:endParaRPr lang="fr-FR" dirty="0"/>
+          </a:p>
+        </p:txBody>
+      </p:sp>
+    </p:spTree>
+    <p:extLst>
+      <p:ext uri="{BB962C8B-B14F-4D97-AF65-F5344CB8AC3E}">
+        <p14:creationId xmlns:p14="http://schemas.microsoft.com/office/powerpoint/2010/main" val="518239453"/>
+      </p:ext>
+    </p:extLst>
+  </p:cSld>
+  <p:clrMapOvr>
+    <a:masterClrMapping/>
+  </p:clrMapOvr>
+  <p:timing>
+    <p:tnLst>
+      <p:par>
+        <p:cTn id="1" dur="indefinite" restart="never" nodeType="tmRoot"/>
+      </p:par>
+    </p:tnLst>
+  </p:timing>
+</p:sld>
+</file>
+
+<file path=ppt/slides/slide18.xml><?xml version="1.0" encoding="utf-8"?>
+<p:sld xmlns:a="http://schemas.openxmlformats.org/drawingml/2006/main" xmlns:r="http://schemas.openxmlformats.org/officeDocument/2006/relationships" xmlns:p="http://schemas.openxmlformats.org/presentationml/2006/main">
+  <p:cSld>
+    <p:spTree>
+      <p:nvGrpSpPr>
+        <p:cNvPr id="1" name=""/>
+        <p:cNvGrpSpPr/>
+        <p:nvPr/>
+      </p:nvGrpSpPr>
+      <p:grpSpPr>
+        <a:xfrm>
+          <a:off x="0" y="0"/>
+          <a:ext cx="0" cy="0"/>
+          <a:chOff x="0" y="0"/>
+          <a:chExt cx="0" cy="0"/>
+        </a:xfrm>
+      </p:grpSpPr>
+      <p:sp>
+        <p:nvSpPr>
+          <p:cNvPr id="4" name="Espace réservé de la date 3"/>
+          <p:cNvSpPr>
+            <a:spLocks noGrp="1"/>
+          </p:cNvSpPr>
+          <p:nvPr>
+            <p:ph type="dt" sz="half" idx="10"/>
+          </p:nvPr>
+        </p:nvSpPr>
+        <p:spPr/>
+        <p:txBody>
+          <a:bodyPr/>
+          <a:lstStyle/>
+          <a:p>
+            <a:fld id="{30547005-2CCE-4AAF-810C-C33FB4661996}" type="datetime1">
+              <a:rPr lang="fr-FR" smtClean="0"/>
+              <a:t>19/11/2017</a:t>
+            </a:fld>
+            <a:endParaRPr lang="fr-FR"/>
+          </a:p>
+        </p:txBody>
+      </p:sp>
+      <p:sp>
+        <p:nvSpPr>
+          <p:cNvPr id="5" name="Espace réservé du pied de page 4"/>
+          <p:cNvSpPr>
+            <a:spLocks noGrp="1"/>
+          </p:cNvSpPr>
+          <p:nvPr>
+            <p:ph type="ftr" sz="quarter" idx="11"/>
+          </p:nvPr>
+        </p:nvSpPr>
+        <p:spPr/>
+        <p:txBody>
+          <a:bodyPr/>
+          <a:lstStyle/>
+          <a:p>
+            <a:r>
+              <a:rPr lang="fr-FR" dirty="0" smtClean="0"/>
+              <a:t>MINE Nicolas</a:t>
+            </a:r>
+            <a:endParaRPr lang="fr-FR" dirty="0"/>
+          </a:p>
+        </p:txBody>
+      </p:sp>
+      <p:pic>
+        <p:nvPicPr>
+          <p:cNvPr id="6146" name="Picture 2" descr="F:\Nicolas\Documents\OpenClassRoom\questiosn.png"/>
+          <p:cNvPicPr>
+            <a:picLocks noChangeAspect="1" noChangeArrowheads="1"/>
+          </p:cNvPicPr>
+          <p:nvPr/>
+        </p:nvPicPr>
+        <p:blipFill>
+          <a:blip r:embed="rId2">
+            <a:extLst>
+              <a:ext uri="{28A0092B-C50C-407E-A947-70E740481C1C}">
+                <a14:useLocalDpi xmlns:a14="http://schemas.microsoft.com/office/drawing/2010/main" val="0"/>
+              </a:ext>
+            </a:extLst>
+          </a:blip>
+          <a:srcRect/>
+          <a:stretch>
+            <a:fillRect/>
+          </a:stretch>
+        </p:blipFill>
+        <p:spPr bwMode="auto">
+          <a:xfrm>
+            <a:off x="-396552" y="-387424"/>
+            <a:ext cx="9753601" cy="7315201"/>
+          </a:xfrm>
+          <a:prstGeom prst="rect">
+            <a:avLst/>
+          </a:prstGeom>
+          <a:noFill/>
+          <a:extLst>
+            <a:ext uri="{909E8E84-426E-40DD-AFC4-6F175D3DCCD1}">
+              <a14:hiddenFill xmlns:a14="http://schemas.microsoft.com/office/drawing/2010/main">
+                <a:solidFill>
+                  <a:srgbClr val="FFFFFF"/>
+                </a:solidFill>
+              </a14:hiddenFill>
+            </a:ext>
+          </a:extLst>
+        </p:spPr>
+      </p:pic>
+    </p:spTree>
+    <p:extLst>
+      <p:ext uri="{BB962C8B-B14F-4D97-AF65-F5344CB8AC3E}">
+        <p14:creationId xmlns:p14="http://schemas.microsoft.com/office/powerpoint/2010/main" val="101165701"/>
       </p:ext>
     </p:extLst>
   </p:cSld>
@@ -4487,7 +7508,7 @@
         <p:spPr/>
         <p:txBody>
           <a:bodyPr>
-            <a:normAutofit fontScale="62500" lnSpcReduction="20000"/>
+            <a:normAutofit fontScale="55000" lnSpcReduction="20000"/>
           </a:bodyPr>
           <a:lstStyle/>
           <a:p>
@@ -4580,6 +7601,93 @@
               </a:rPr>
               <a:t>means</a:t>
             </a:r>
+            <a:endParaRPr lang="fr-FR" dirty="0" smtClean="0">
+              <a:solidFill>
+                <a:srgbClr val="E8750C"/>
+              </a:solidFill>
+            </a:endParaRPr>
+          </a:p>
+          <a:p>
+            <a:pPr lvl="1">
+              <a:buFont typeface="Wingdings" pitchFamily="2" charset="2"/>
+              <a:buChar char="Ø"/>
+            </a:pPr>
+            <a:r>
+              <a:rPr lang="fr-FR" dirty="0" smtClean="0">
+                <a:solidFill>
+                  <a:srgbClr val="E8750C"/>
+                </a:solidFill>
+              </a:rPr>
+              <a:t>DBSCAN</a:t>
+            </a:r>
+          </a:p>
+          <a:p>
+            <a:pPr lvl="1">
+              <a:buFont typeface="Wingdings" pitchFamily="2" charset="2"/>
+              <a:buChar char="Ø"/>
+            </a:pPr>
+            <a:r>
+              <a:rPr lang="fr-FR" dirty="0" err="1" smtClean="0">
+                <a:solidFill>
+                  <a:srgbClr val="E8750C"/>
+                </a:solidFill>
+              </a:rPr>
+              <a:t>Clustering</a:t>
+            </a:r>
+            <a:r>
+              <a:rPr lang="fr-FR" dirty="0" smtClean="0">
+                <a:solidFill>
+                  <a:srgbClr val="E8750C"/>
+                </a:solidFill>
+              </a:rPr>
+              <a:t> </a:t>
+            </a:r>
+            <a:r>
+              <a:rPr lang="fr-FR" dirty="0" err="1" smtClean="0">
+                <a:solidFill>
+                  <a:srgbClr val="E8750C"/>
+                </a:solidFill>
+              </a:rPr>
+              <a:t>Hierarchique</a:t>
+            </a:r>
+            <a:endParaRPr lang="fr-FR" dirty="0" smtClean="0">
+              <a:solidFill>
+                <a:srgbClr val="E8750C"/>
+              </a:solidFill>
+            </a:endParaRPr>
+          </a:p>
+          <a:p>
+            <a:pPr lvl="1">
+              <a:buFont typeface="Wingdings" pitchFamily="2" charset="2"/>
+              <a:buChar char="Ø"/>
+            </a:pPr>
+            <a:r>
+              <a:rPr lang="fr-FR" dirty="0" err="1" smtClean="0">
+                <a:solidFill>
+                  <a:srgbClr val="E8750C"/>
+                </a:solidFill>
+              </a:rPr>
+              <a:t>Isomap</a:t>
+            </a:r>
+            <a:endParaRPr lang="fr-FR" dirty="0" smtClean="0">
+              <a:solidFill>
+                <a:srgbClr val="E8750C"/>
+              </a:solidFill>
+            </a:endParaRPr>
+          </a:p>
+          <a:p>
+            <a:pPr lvl="1">
+              <a:buFont typeface="Wingdings" pitchFamily="2" charset="2"/>
+              <a:buChar char="Ø"/>
+            </a:pPr>
+            <a:r>
+              <a:rPr lang="fr-FR" dirty="0" smtClean="0">
+                <a:solidFill>
+                  <a:srgbClr val="E8750C"/>
+                </a:solidFill>
+              </a:rPr>
+              <a:t>LLE</a:t>
+            </a:r>
             <a:endParaRPr lang="fr-FR" dirty="0">
               <a:solidFill>
                 <a:srgbClr val="E8750C"/>
@@ -4597,35 +7705,26 @@
                   <a:srgbClr val="E8750C"/>
                 </a:solidFill>
               </a:rPr>
+              <a:t>TSNE</a:t>
+            </a:r>
+            <a:endParaRPr lang="fr-FR" dirty="0" smtClean="0">
+              <a:solidFill>
+                <a:srgbClr val="E8750C"/>
+              </a:solidFill>
+            </a:endParaRPr>
+          </a:p>
+          <a:p>
+            <a:pPr lvl="1">
+              <a:buFont typeface="Wingdings" pitchFamily="2" charset="2"/>
+              <a:buChar char="Ø"/>
+            </a:pPr>
+            <a:r>
+              <a:rPr lang="fr-FR" dirty="0" smtClean="0">
+                <a:solidFill>
+                  <a:srgbClr val="E8750C"/>
+                </a:solidFill>
+              </a:rPr>
               <a:t>PCA</a:t>
-            </a:r>
-          </a:p>
-          <a:p>
-            <a:pPr lvl="1">
-              <a:buFont typeface="Wingdings" pitchFamily="2" charset="2"/>
-              <a:buChar char="Ø"/>
-            </a:pPr>
-            <a:r>
-              <a:rPr lang="fr-FR" dirty="0" smtClean="0">
-                <a:solidFill>
-                  <a:srgbClr val="E8750C"/>
-                </a:solidFill>
-              </a:rPr>
-              <a:t>TSNE</a:t>
-            </a:r>
-          </a:p>
-          <a:p>
-            <a:pPr lvl="1">
-              <a:buFont typeface="Wingdings" pitchFamily="2" charset="2"/>
-              <a:buChar char="Ø"/>
-            </a:pPr>
-            <a:r>
-              <a:rPr lang="fr-FR" dirty="0" smtClean="0">
-                <a:solidFill>
-                  <a:srgbClr val="E8750C"/>
-                </a:solidFill>
-              </a:rPr>
-              <a:t>Non testés</a:t>
             </a:r>
             <a:endParaRPr lang="fr-FR" dirty="0">
               <a:solidFill>
@@ -4750,7 +7849,7 @@
           <a:p>
             <a:fld id="{30547005-2CCE-4AAF-810C-C33FB4661996}" type="datetime1">
               <a:rPr lang="fr-FR" smtClean="0"/>
-              <a:t>18/11/2017</a:t>
+              <a:t>19/11/2017</a:t>
             </a:fld>
             <a:endParaRPr lang="fr-FR"/>
           </a:p>
@@ -6526,7 +9625,7 @@
               <a:buChar char="Ø"/>
             </a:pPr>
             <a:r>
-              <a:rPr lang="fr-FR" dirty="0">
+              <a:rPr lang="fr-FR" sz="2800" dirty="0" smtClean="0">
                 <a:solidFill>
                   <a:srgbClr val="E8750C"/>
                 </a:solidFill>
@@ -6534,14 +9633,14 @@
               <a:t>K-</a:t>
             </a:r>
             <a:r>
-              <a:rPr lang="fr-FR" dirty="0" err="1">
+              <a:rPr lang="fr-FR" sz="2800" dirty="0" err="1" smtClean="0">
                 <a:solidFill>
                   <a:srgbClr val="E8750C"/>
                 </a:solidFill>
               </a:rPr>
               <a:t>means</a:t>
             </a:r>
-            <a:endParaRPr lang="fr-FR" dirty="0">
+            <a:endParaRPr lang="fr-FR" sz="2800" dirty="0">
               <a:solidFill>
                 <a:srgbClr val="E8750C"/>
               </a:solidFill>
@@ -6553,13 +9652,106 @@
               <a:buChar char="Ø"/>
             </a:pPr>
             <a:r>
-              <a:rPr lang="fr-FR" dirty="0" smtClean="0">
-                <a:solidFill>
-                  <a:srgbClr val="E8750C"/>
-                </a:solidFill>
-              </a:rPr>
-              <a:t>a</a:t>
-            </a:r>
+              <a:rPr lang="fr-FR" sz="2400" dirty="0" smtClean="0">
+                <a:solidFill>
+                  <a:srgbClr val="E8750C"/>
+                </a:solidFill>
+              </a:rPr>
+              <a:t>Groupe « </a:t>
+            </a:r>
+            <a:r>
+              <a:rPr lang="fr-FR" sz="2400" dirty="0" err="1" smtClean="0">
+                <a:solidFill>
+                  <a:srgbClr val="E8750C"/>
+                </a:solidFill>
+              </a:rPr>
+              <a:t>Clustering</a:t>
+            </a:r>
+            <a:r>
+              <a:rPr lang="fr-FR" sz="2400" dirty="0" smtClean="0">
+                <a:solidFill>
+                  <a:srgbClr val="E8750C"/>
+                </a:solidFill>
+              </a:rPr>
+              <a:t> »</a:t>
+            </a:r>
+          </a:p>
+          <a:p>
+            <a:pPr lvl="1">
+              <a:buFont typeface="Wingdings" pitchFamily="2" charset="2"/>
+              <a:buChar char="Ø"/>
+            </a:pPr>
+            <a:r>
+              <a:rPr lang="fr-FR" sz="2400" dirty="0" smtClean="0">
+                <a:solidFill>
+                  <a:srgbClr val="E8750C"/>
+                </a:solidFill>
+              </a:rPr>
+              <a:t>Nombre de clusters inconnus</a:t>
+            </a:r>
+          </a:p>
+          <a:p>
+            <a:pPr lvl="2">
+              <a:buFont typeface="Wingdings" pitchFamily="2" charset="2"/>
+              <a:buChar char="Ø"/>
+            </a:pPr>
+            <a:r>
+              <a:rPr lang="fr-FR" sz="2000" dirty="0" smtClean="0">
+                <a:solidFill>
+                  <a:srgbClr val="E8750C"/>
+                </a:solidFill>
+              </a:rPr>
+              <a:t>A fournir</a:t>
+            </a:r>
+            <a:endParaRPr lang="fr-FR" sz="2000" dirty="0" smtClean="0">
+              <a:solidFill>
+                <a:srgbClr val="E8750C"/>
+              </a:solidFill>
+            </a:endParaRPr>
+          </a:p>
+          <a:p>
+            <a:pPr lvl="1">
+              <a:buFont typeface="Wingdings" pitchFamily="2" charset="2"/>
+              <a:buChar char="Ø"/>
+            </a:pPr>
+            <a:r>
+              <a:rPr lang="fr-FR" sz="2400" dirty="0" smtClean="0">
+                <a:solidFill>
+                  <a:srgbClr val="E8750C"/>
+                </a:solidFill>
+              </a:rPr>
+              <a:t>Retourne positions</a:t>
+            </a:r>
+          </a:p>
+          <a:p>
+            <a:pPr lvl="2">
+              <a:buFont typeface="Wingdings" pitchFamily="2" charset="2"/>
+              <a:buChar char="Ø"/>
+            </a:pPr>
+            <a:r>
+              <a:rPr lang="fr-FR" sz="2000" dirty="0" smtClean="0">
+                <a:solidFill>
+                  <a:srgbClr val="E8750C"/>
+                </a:solidFill>
+              </a:rPr>
+              <a:t>Recommander possible</a:t>
+            </a:r>
+            <a:endParaRPr lang="fr-FR" sz="2000" dirty="0" smtClean="0">
+              <a:solidFill>
+                <a:srgbClr val="E8750C"/>
+              </a:solidFill>
+            </a:endParaRPr>
+          </a:p>
+          <a:p>
+            <a:pPr lvl="1">
+              <a:buFont typeface="Wingdings" pitchFamily="2" charset="2"/>
+              <a:buChar char="Ø"/>
+            </a:pPr>
+            <a:endParaRPr lang="fr-FR" sz="2400" dirty="0" smtClean="0">
+              <a:solidFill>
+                <a:srgbClr val="E8750C"/>
+              </a:solidFill>
+            </a:endParaRPr>
           </a:p>
         </p:txBody>
       </p:sp>
@@ -6580,7 +9772,7 @@
           <a:p>
             <a:fld id="{30547005-2CCE-4AAF-810C-C33FB4661996}" type="datetime1">
               <a:rPr lang="fr-FR" smtClean="0"/>
-              <a:t>18/11/2017</a:t>
+              <a:t>19/11/2017</a:t>
             </a:fld>
             <a:endParaRPr lang="fr-FR"/>
           </a:p>
@@ -6606,6 +9798,232 @@
               <a:t>MINE Nicolas</a:t>
             </a:r>
             <a:endParaRPr lang="fr-FR" dirty="0"/>
+          </a:p>
+        </p:txBody>
+      </p:sp>
+      <p:pic>
+        <p:nvPicPr>
+          <p:cNvPr id="1026" name="Picture 2" descr="F:\Nicolas\Documents\OpenClassRoom\Projet 3 - recomm. de films\kmeans3d.png"/>
+          <p:cNvPicPr>
+            <a:picLocks noChangeAspect="1" noChangeArrowheads="1"/>
+          </p:cNvPicPr>
+          <p:nvPr/>
+        </p:nvPicPr>
+        <p:blipFill>
+          <a:blip r:embed="rId2">
+            <a:clrChange>
+              <a:clrFrom>
+                <a:srgbClr val="FFFFFF"/>
+              </a:clrFrom>
+              <a:clrTo>
+                <a:srgbClr val="FFFFFF">
+                  <a:alpha val="0"/>
+                </a:srgbClr>
+              </a:clrTo>
+            </a:clrChange>
+            <a:extLst>
+              <a:ext uri="{28A0092B-C50C-407E-A947-70E740481C1C}">
+                <a14:useLocalDpi xmlns:a14="http://schemas.microsoft.com/office/drawing/2010/main" val="0"/>
+              </a:ext>
+            </a:extLst>
+          </a:blip>
+          <a:srcRect/>
+          <a:stretch>
+            <a:fillRect/>
+          </a:stretch>
+        </p:blipFill>
+        <p:spPr bwMode="auto">
+          <a:xfrm>
+            <a:off x="3347864" y="2447337"/>
+            <a:ext cx="6629507" cy="5099621"/>
+          </a:xfrm>
+          <a:prstGeom prst="rect">
+            <a:avLst/>
+          </a:prstGeom>
+          <a:noFill/>
+          <a:extLst>
+            <a:ext uri="{909E8E84-426E-40DD-AFC4-6F175D3DCCD1}">
+              <a14:hiddenFill xmlns:a14="http://schemas.microsoft.com/office/drawing/2010/main">
+                <a:solidFill>
+                  <a:srgbClr val="FFFFFF"/>
+                </a:solidFill>
+              </a14:hiddenFill>
+            </a:ext>
+          </a:extLst>
+        </p:spPr>
+      </p:pic>
+      <p:pic>
+        <p:nvPicPr>
+          <p:cNvPr id="1027" name="Picture 3" descr="F:\Nicolas\Documents\OpenClassRoom\Projet 3 - recomm. de films\kmeans2d.png"/>
+          <p:cNvPicPr>
+            <a:picLocks noChangeAspect="1" noChangeArrowheads="1"/>
+          </p:cNvPicPr>
+          <p:nvPr/>
+        </p:nvPicPr>
+        <p:blipFill>
+          <a:blip r:embed="rId3">
+            <a:clrChange>
+              <a:clrFrom>
+                <a:srgbClr val="FFFFFF"/>
+              </a:clrFrom>
+              <a:clrTo>
+                <a:srgbClr val="FFFFFF">
+                  <a:alpha val="0"/>
+                </a:srgbClr>
+              </a:clrTo>
+            </a:clrChange>
+            <a:extLst>
+              <a:ext uri="{28A0092B-C50C-407E-A947-70E740481C1C}">
+                <a14:useLocalDpi xmlns:a14="http://schemas.microsoft.com/office/drawing/2010/main" val="0"/>
+              </a:ext>
+            </a:extLst>
+          </a:blip>
+          <a:srcRect/>
+          <a:stretch>
+            <a:fillRect/>
+          </a:stretch>
+        </p:blipFill>
+        <p:spPr bwMode="auto">
+          <a:xfrm>
+            <a:off x="5652120" y="980728"/>
+            <a:ext cx="3672408" cy="2448626"/>
+          </a:xfrm>
+          <a:prstGeom prst="rect">
+            <a:avLst/>
+          </a:prstGeom>
+          <a:noFill/>
+          <a:extLst>
+            <a:ext uri="{909E8E84-426E-40DD-AFC4-6F175D3DCCD1}">
+              <a14:hiddenFill xmlns:a14="http://schemas.microsoft.com/office/drawing/2010/main">
+                <a:solidFill>
+                  <a:srgbClr val="FFFFFF"/>
+                </a:solidFill>
+              </a14:hiddenFill>
+            </a:ext>
+          </a:extLst>
+        </p:spPr>
+      </p:pic>
+      <p:sp>
+        <p:nvSpPr>
+          <p:cNvPr id="6" name="ZoneTexte 5"/>
+          <p:cNvSpPr txBox="1"/>
+          <p:nvPr/>
+        </p:nvSpPr>
+        <p:spPr>
+          <a:xfrm>
+            <a:off x="539552" y="4113654"/>
+            <a:ext cx="4248472" cy="2123658"/>
+          </a:xfrm>
+          <a:prstGeom prst="rect">
+            <a:avLst/>
+          </a:prstGeom>
+          <a:noFill/>
+        </p:spPr>
+        <p:txBody>
+          <a:bodyPr wrap="square" rtlCol="0">
+            <a:spAutoFit/>
+          </a:bodyPr>
+          <a:lstStyle/>
+          <a:p>
+            <a:r>
+              <a:rPr lang="fr-FR" sz="1600" b="1" dirty="0"/>
+              <a:t>Entrée : </a:t>
+            </a:r>
+            <a:endParaRPr lang="fr-FR" sz="1600" b="1" dirty="0" smtClean="0"/>
+          </a:p>
+          <a:p>
+            <a:pPr marL="285750" indent="-285750">
+              <a:buFont typeface="Wingdings" pitchFamily="2" charset="2"/>
+              <a:buChar char="Ø"/>
+            </a:pPr>
+            <a:r>
+              <a:rPr lang="fr-FR" sz="1600" dirty="0" err="1" smtClean="0"/>
+              <a:t>Spider-Man</a:t>
+            </a:r>
+            <a:r>
+              <a:rPr lang="fr-FR" sz="1600" dirty="0" smtClean="0"/>
+              <a:t> 3</a:t>
+            </a:r>
+          </a:p>
+          <a:p>
+            <a:r>
+              <a:rPr lang="fr-FR" sz="1600" b="1" dirty="0" smtClean="0"/>
+              <a:t>Sortie :</a:t>
+            </a:r>
+          </a:p>
+          <a:p>
+            <a:pPr marL="285750" indent="-285750">
+              <a:buFont typeface="Wingdings" pitchFamily="2" charset="2"/>
+              <a:buChar char="Ø"/>
+            </a:pPr>
+            <a:r>
+              <a:rPr lang="fr-FR" sz="1600" dirty="0" err="1" smtClean="0"/>
+              <a:t>Ironclad</a:t>
+            </a:r>
+            <a:endParaRPr lang="fr-FR" sz="1600" dirty="0" smtClean="0"/>
+          </a:p>
+          <a:p>
+            <a:pPr marL="285750" indent="-285750">
+              <a:buFont typeface="Wingdings" pitchFamily="2" charset="2"/>
+              <a:buChar char="Ø"/>
+            </a:pPr>
+            <a:r>
+              <a:rPr lang="en-US" sz="1600" dirty="0"/>
+              <a:t>Prince of Persia: The Sands of </a:t>
+            </a:r>
+            <a:r>
+              <a:rPr lang="en-US" sz="1600" dirty="0" smtClean="0"/>
+              <a:t>Time</a:t>
+            </a:r>
+          </a:p>
+          <a:p>
+            <a:pPr marL="285750" indent="-285750">
+              <a:buFont typeface="Wingdings" pitchFamily="2" charset="2"/>
+              <a:buChar char="Ø"/>
+            </a:pPr>
+            <a:r>
+              <a:rPr lang="fr-FR" sz="1600" dirty="0" err="1" smtClean="0"/>
+              <a:t>Krrish</a:t>
+            </a:r>
+            <a:endParaRPr lang="fr-FR" sz="1600" dirty="0" smtClean="0"/>
+          </a:p>
+          <a:p>
+            <a:pPr marL="285750" indent="-285750">
+              <a:buFont typeface="Wingdings" pitchFamily="2" charset="2"/>
+              <a:buChar char="Ø"/>
+            </a:pPr>
+            <a:r>
+              <a:rPr lang="fr-FR" sz="1600" dirty="0"/>
+              <a:t>The </a:t>
+            </a:r>
+            <a:r>
+              <a:rPr lang="fr-FR" sz="1600" dirty="0" err="1"/>
+              <a:t>Three</a:t>
+            </a:r>
+            <a:r>
+              <a:rPr lang="fr-FR" sz="1600" dirty="0"/>
+              <a:t> </a:t>
+            </a:r>
+            <a:r>
+              <a:rPr lang="fr-FR" sz="1600" dirty="0" err="1" smtClean="0"/>
+              <a:t>Musketeers</a:t>
+            </a:r>
+            <a:endParaRPr lang="fr-FR" sz="1600" dirty="0" smtClean="0"/>
+          </a:p>
+          <a:p>
+            <a:pPr marL="285750" indent="-285750">
+              <a:buFont typeface="Wingdings" pitchFamily="2" charset="2"/>
+              <a:buChar char="Ø"/>
+            </a:pPr>
+            <a:r>
+              <a:rPr lang="fr-FR" sz="1600" dirty="0"/>
+              <a:t>The </a:t>
+            </a:r>
+            <a:r>
+              <a:rPr lang="fr-FR" sz="1600" dirty="0" err="1" smtClean="0"/>
+              <a:t>Musketeer</a:t>
+            </a:r>
+            <a:endParaRPr lang="fr-FR" sz="1600" dirty="0"/>
           </a:p>
         </p:txBody>
       </p:sp>
@@ -6695,14 +10113,14 @@
               <a:buChar char="Ø"/>
             </a:pPr>
             <a:r>
-              <a:rPr lang="fr-FR" dirty="0" smtClean="0">
-                <a:solidFill>
-                  <a:srgbClr val="E8750C"/>
-                </a:solidFill>
-              </a:rPr>
-              <a:t>PCA</a:t>
-            </a:r>
-            <a:endParaRPr lang="fr-FR" dirty="0">
+              <a:rPr lang="fr-FR" sz="2800" dirty="0" smtClean="0">
+                <a:solidFill>
+                  <a:srgbClr val="E8750C"/>
+                </a:solidFill>
+              </a:rPr>
+              <a:t>DBSCAN</a:t>
+            </a:r>
+            <a:endParaRPr lang="fr-FR" sz="2800" dirty="0">
               <a:solidFill>
                 <a:srgbClr val="E8750C"/>
               </a:solidFill>
@@ -6714,13 +10132,163 @@
               <a:buChar char="Ø"/>
             </a:pPr>
             <a:r>
-              <a:rPr lang="fr-FR" dirty="0" smtClean="0">
-                <a:solidFill>
-                  <a:srgbClr val="E8750C"/>
-                </a:solidFill>
-              </a:rPr>
-              <a:t>a</a:t>
-            </a:r>
+              <a:rPr lang="fr-FR" sz="2400" dirty="0" smtClean="0">
+                <a:solidFill>
+                  <a:srgbClr val="E8750C"/>
+                </a:solidFill>
+              </a:rPr>
+              <a:t>Groupe « </a:t>
+            </a:r>
+            <a:r>
+              <a:rPr lang="fr-FR" sz="2400" dirty="0" err="1" smtClean="0">
+                <a:solidFill>
+                  <a:srgbClr val="E8750C"/>
+                </a:solidFill>
+              </a:rPr>
+              <a:t>Clustering</a:t>
+            </a:r>
+            <a:r>
+              <a:rPr lang="fr-FR" sz="2400" dirty="0" smtClean="0">
+                <a:solidFill>
+                  <a:srgbClr val="E8750C"/>
+                </a:solidFill>
+              </a:rPr>
+              <a:t> »</a:t>
+            </a:r>
+          </a:p>
+          <a:p>
+            <a:pPr lvl="1">
+              <a:buFont typeface="Wingdings" pitchFamily="2" charset="2"/>
+              <a:buChar char="Ø"/>
+            </a:pPr>
+            <a:r>
+              <a:rPr lang="fr-FR" sz="2400" dirty="0">
+                <a:solidFill>
+                  <a:srgbClr val="E8750C"/>
+                </a:solidFill>
+              </a:rPr>
+              <a:t>Nombre de clusters </a:t>
+            </a:r>
+            <a:r>
+              <a:rPr lang="fr-FR" sz="2400" dirty="0" smtClean="0">
+                <a:solidFill>
+                  <a:srgbClr val="E8750C"/>
+                </a:solidFill>
+              </a:rPr>
+              <a:t>inconnus</a:t>
+            </a:r>
+          </a:p>
+          <a:p>
+            <a:pPr lvl="2">
+              <a:buFont typeface="Wingdings" pitchFamily="2" charset="2"/>
+              <a:buChar char="Ø"/>
+            </a:pPr>
+            <a:r>
+              <a:rPr lang="fr-FR" sz="2000" dirty="0" smtClean="0">
+                <a:solidFill>
+                  <a:srgbClr val="E8750C"/>
+                </a:solidFill>
+              </a:rPr>
+              <a:t>Pas </a:t>
+            </a:r>
+            <a:r>
+              <a:rPr lang="fr-FR" sz="2000" dirty="0" err="1" smtClean="0">
+                <a:solidFill>
+                  <a:srgbClr val="E8750C"/>
+                </a:solidFill>
+              </a:rPr>
+              <a:t>necessaire</a:t>
+            </a:r>
+            <a:endParaRPr lang="fr-FR" sz="2000" dirty="0">
+              <a:solidFill>
+                <a:srgbClr val="E8750C"/>
+              </a:solidFill>
+            </a:endParaRPr>
+          </a:p>
+          <a:p>
+            <a:pPr lvl="1">
+              <a:buFont typeface="Wingdings" pitchFamily="2" charset="2"/>
+              <a:buChar char="Ø"/>
+            </a:pPr>
+            <a:r>
+              <a:rPr lang="fr-FR" sz="2400" dirty="0" smtClean="0">
+                <a:solidFill>
+                  <a:srgbClr val="E8750C"/>
+                </a:solidFill>
+              </a:rPr>
+              <a:t>Ne retourne pas de </a:t>
+            </a:r>
+            <a:r>
+              <a:rPr lang="fr-FR" sz="2400" dirty="0">
+                <a:solidFill>
+                  <a:srgbClr val="E8750C"/>
+                </a:solidFill>
+              </a:rPr>
+              <a:t>positions</a:t>
+            </a:r>
+          </a:p>
+          <a:p>
+            <a:pPr lvl="2">
+              <a:buFont typeface="Wingdings" pitchFamily="2" charset="2"/>
+              <a:buChar char="Ø"/>
+            </a:pPr>
+            <a:r>
+              <a:rPr lang="fr-FR" sz="2000" dirty="0">
+                <a:solidFill>
+                  <a:srgbClr val="E8750C"/>
+                </a:solidFill>
+              </a:rPr>
+              <a:t>Recommander </a:t>
+            </a:r>
+            <a:r>
+              <a:rPr lang="fr-FR" sz="2000" dirty="0" smtClean="0">
+                <a:solidFill>
+                  <a:srgbClr val="E8750C"/>
+                </a:solidFill>
+              </a:rPr>
+              <a:t>impossible</a:t>
+            </a:r>
+          </a:p>
+          <a:p>
+            <a:pPr lvl="1">
+              <a:buFont typeface="Wingdings" pitchFamily="2" charset="2"/>
+              <a:buChar char="Ø"/>
+            </a:pPr>
+            <a:r>
+              <a:rPr lang="fr-FR" sz="2400" dirty="0" smtClean="0">
+                <a:solidFill>
+                  <a:srgbClr val="E8750C"/>
+                </a:solidFill>
+              </a:rPr>
+              <a:t>Contenu des cluster variable</a:t>
+            </a:r>
+            <a:endParaRPr lang="fr-FR" sz="2400" dirty="0">
+              <a:solidFill>
+                <a:srgbClr val="E8750C"/>
+              </a:solidFill>
+            </a:endParaRPr>
+          </a:p>
+          <a:p>
+            <a:pPr lvl="1">
+              <a:buFont typeface="Wingdings" pitchFamily="2" charset="2"/>
+              <a:buChar char="Ø"/>
+            </a:pPr>
+            <a:endParaRPr lang="fr-FR" dirty="0" smtClean="0">
+              <a:solidFill>
+                <a:srgbClr val="E8750C"/>
+              </a:solidFill>
+            </a:endParaRPr>
+          </a:p>
+          <a:p>
+            <a:pPr lvl="1">
+              <a:buFont typeface="Wingdings" pitchFamily="2" charset="2"/>
+              <a:buChar char="Ø"/>
+            </a:pPr>
+            <a:endParaRPr lang="fr-FR" dirty="0" smtClean="0">
+              <a:solidFill>
+                <a:srgbClr val="E8750C"/>
+              </a:solidFill>
+            </a:endParaRPr>
           </a:p>
         </p:txBody>
       </p:sp>
@@ -6741,7 +10309,7 @@
           <a:p>
             <a:fld id="{30547005-2CCE-4AAF-810C-C33FB4661996}" type="datetime1">
               <a:rPr lang="fr-FR" smtClean="0"/>
-              <a:t>18/11/2017</a:t>
+              <a:t>19/11/2017</a:t>
             </a:fld>
             <a:endParaRPr lang="fr-FR"/>
           </a:p>
@@ -6767,13 +10335,306 @@
               <a:t>MINE Nicolas</a:t>
             </a:r>
             <a:endParaRPr lang="fr-FR" dirty="0"/>
+          </a:p>
+        </p:txBody>
+      </p:sp>
+      <p:sp>
+        <p:nvSpPr>
+          <p:cNvPr id="6" name="ZoneTexte 5"/>
+          <p:cNvSpPr txBox="1"/>
+          <p:nvPr/>
+        </p:nvSpPr>
+        <p:spPr>
+          <a:xfrm>
+            <a:off x="5436096" y="1610791"/>
+            <a:ext cx="3707904" cy="4770537"/>
+          </a:xfrm>
+          <a:prstGeom prst="rect">
+            <a:avLst/>
+          </a:prstGeom>
+          <a:noFill/>
+        </p:spPr>
+        <p:txBody>
+          <a:bodyPr wrap="square" rtlCol="0">
+            <a:spAutoFit/>
+          </a:bodyPr>
+          <a:lstStyle/>
+          <a:p>
+            <a:r>
+              <a:rPr lang="fr-FR" sz="1600" b="1" dirty="0"/>
+              <a:t>Entrée : </a:t>
+            </a:r>
+            <a:endParaRPr lang="fr-FR" sz="1600" b="1" dirty="0" smtClean="0"/>
+          </a:p>
+          <a:p>
+            <a:pPr marL="285750" indent="-285750">
+              <a:buFont typeface="Wingdings" pitchFamily="2" charset="2"/>
+              <a:buChar char="Ø"/>
+            </a:pPr>
+            <a:r>
+              <a:rPr lang="fr-FR" sz="1600" dirty="0" smtClean="0"/>
+              <a:t>Cluster #6</a:t>
+            </a:r>
+          </a:p>
+          <a:p>
+            <a:r>
+              <a:rPr lang="fr-FR" sz="1600" b="1" dirty="0" smtClean="0"/>
+              <a:t>Sortie :</a:t>
+            </a:r>
+          </a:p>
+          <a:p>
+            <a:pPr marL="285750" indent="-285750">
+              <a:buFont typeface="Wingdings" pitchFamily="2" charset="2"/>
+              <a:buChar char="Ø"/>
+            </a:pPr>
+            <a:r>
+              <a:rPr lang="en-US" sz="1600" dirty="0"/>
+              <a:t>Terminator 3: Rise of the Machines  </a:t>
+            </a:r>
+            <a:endParaRPr lang="en-US" sz="1600" dirty="0" smtClean="0"/>
+          </a:p>
+          <a:p>
+            <a:pPr marL="285750" indent="-285750">
+              <a:buFont typeface="Wingdings" pitchFamily="2" charset="2"/>
+              <a:buChar char="Ø"/>
+            </a:pPr>
+            <a:r>
+              <a:rPr lang="en-US" sz="1600" dirty="0" smtClean="0"/>
+              <a:t>The </a:t>
+            </a:r>
+            <a:r>
+              <a:rPr lang="en-US" sz="1600" dirty="0"/>
+              <a:t>Matrix Reloaded  </a:t>
+            </a:r>
+            <a:endParaRPr lang="en-US" sz="1600" dirty="0" smtClean="0"/>
+          </a:p>
+          <a:p>
+            <a:pPr marL="285750" indent="-285750">
+              <a:buFont typeface="Wingdings" pitchFamily="2" charset="2"/>
+              <a:buChar char="Ø"/>
+            </a:pPr>
+            <a:r>
+              <a:rPr lang="en-US" sz="1600" dirty="0" smtClean="0"/>
+              <a:t>Hulk</a:t>
+            </a:r>
+            <a:r>
+              <a:rPr lang="en-US" sz="1600" dirty="0"/>
+              <a:t>  </a:t>
+            </a:r>
+            <a:endParaRPr lang="en-US" sz="1600" dirty="0" smtClean="0"/>
+          </a:p>
+          <a:p>
+            <a:pPr marL="285750" indent="-285750">
+              <a:buFont typeface="Wingdings" pitchFamily="2" charset="2"/>
+              <a:buChar char="Ø"/>
+            </a:pPr>
+            <a:r>
+              <a:rPr lang="en-US" sz="1600" dirty="0" smtClean="0"/>
+              <a:t>Total Recall</a:t>
+            </a:r>
+          </a:p>
+          <a:p>
+            <a:pPr marL="285750" indent="-285750">
+              <a:buFont typeface="Wingdings" pitchFamily="2" charset="2"/>
+              <a:buChar char="Ø"/>
+            </a:pPr>
+            <a:r>
+              <a:rPr lang="en-US" sz="1600" dirty="0" smtClean="0"/>
+              <a:t>Terminator </a:t>
+            </a:r>
+            <a:r>
+              <a:rPr lang="en-US" sz="1600" dirty="0"/>
+              <a:t>2: Judgment </a:t>
+            </a:r>
+            <a:r>
+              <a:rPr lang="en-US" sz="1600" dirty="0" smtClean="0"/>
+              <a:t>Day</a:t>
+            </a:r>
+          </a:p>
+          <a:p>
+            <a:pPr marL="285750" indent="-285750">
+              <a:buFont typeface="Wingdings" pitchFamily="2" charset="2"/>
+              <a:buChar char="Ø"/>
+            </a:pPr>
+            <a:r>
+              <a:rPr lang="en-US" sz="1600" dirty="0" err="1" smtClean="0"/>
+              <a:t>Dredd</a:t>
+            </a:r>
+            <a:r>
+              <a:rPr lang="en-US" sz="1600" dirty="0"/>
+              <a:t>  </a:t>
+            </a:r>
+            <a:endParaRPr lang="en-US" sz="1600" dirty="0" smtClean="0"/>
+          </a:p>
+          <a:p>
+            <a:pPr marL="285750" indent="-285750">
+              <a:buFont typeface="Wingdings" pitchFamily="2" charset="2"/>
+              <a:buChar char="Ø"/>
+            </a:pPr>
+            <a:r>
+              <a:rPr lang="en-US" sz="1600" dirty="0" smtClean="0"/>
+              <a:t>Battle </a:t>
+            </a:r>
+            <a:r>
+              <a:rPr lang="en-US" sz="1600" dirty="0"/>
+              <a:t>Los </a:t>
+            </a:r>
+            <a:r>
+              <a:rPr lang="en-US" sz="1600" dirty="0" smtClean="0"/>
+              <a:t>Angeles</a:t>
+            </a:r>
+          </a:p>
+          <a:p>
+            <a:pPr marL="285750" indent="-285750">
+              <a:buFont typeface="Wingdings" pitchFamily="2" charset="2"/>
+              <a:buChar char="Ø"/>
+            </a:pPr>
+            <a:r>
+              <a:rPr lang="en-US" sz="1600" dirty="0" err="1" smtClean="0"/>
+              <a:t>Æon</a:t>
+            </a:r>
+            <a:r>
+              <a:rPr lang="en-US" sz="1600" dirty="0" smtClean="0"/>
+              <a:t> </a:t>
+            </a:r>
+            <a:r>
+              <a:rPr lang="en-US" sz="1600" dirty="0"/>
+              <a:t>Flux </a:t>
+            </a:r>
+            <a:endParaRPr lang="en-US" sz="1600" dirty="0" smtClean="0"/>
+          </a:p>
+          <a:p>
+            <a:pPr marL="285750" indent="-285750">
+              <a:buFont typeface="Wingdings" pitchFamily="2" charset="2"/>
+              <a:buChar char="Ø"/>
+            </a:pPr>
+            <a:r>
+              <a:rPr lang="en-US" sz="1600" dirty="0" smtClean="0"/>
+              <a:t>Universal </a:t>
+            </a:r>
+            <a:r>
+              <a:rPr lang="en-US" sz="1600" dirty="0"/>
+              <a:t>Soldier: The Return </a:t>
+            </a:r>
+            <a:endParaRPr lang="en-US" sz="1600" dirty="0" smtClean="0"/>
+          </a:p>
+          <a:p>
+            <a:pPr marL="285750" indent="-285750">
+              <a:buFont typeface="Wingdings" pitchFamily="2" charset="2"/>
+              <a:buChar char="Ø"/>
+            </a:pPr>
+            <a:r>
+              <a:rPr lang="en-US" sz="1600" dirty="0" smtClean="0"/>
+              <a:t>The </a:t>
+            </a:r>
+            <a:r>
+              <a:rPr lang="en-US" sz="1600" dirty="0"/>
+              <a:t>Black Hole </a:t>
+            </a:r>
+            <a:endParaRPr lang="en-US" sz="1600" dirty="0" smtClean="0"/>
+          </a:p>
+          <a:p>
+            <a:pPr marL="285750" indent="-285750">
+              <a:buFont typeface="Wingdings" pitchFamily="2" charset="2"/>
+              <a:buChar char="Ø"/>
+            </a:pPr>
+            <a:r>
+              <a:rPr lang="en-US" sz="1600" dirty="0" err="1" smtClean="0"/>
+              <a:t>Megaforce</a:t>
+            </a:r>
+            <a:r>
+              <a:rPr lang="en-US" sz="1600" dirty="0"/>
+              <a:t>  </a:t>
+            </a:r>
+            <a:endParaRPr lang="en-US" sz="1600" dirty="0" smtClean="0"/>
+          </a:p>
+          <a:p>
+            <a:pPr marL="285750" indent="-285750">
+              <a:buFont typeface="Wingdings" pitchFamily="2" charset="2"/>
+              <a:buChar char="Ø"/>
+            </a:pPr>
+            <a:r>
+              <a:rPr lang="en-US" sz="1600" dirty="0" smtClean="0"/>
+              <a:t>The </a:t>
+            </a:r>
+            <a:r>
+              <a:rPr lang="en-US" sz="1600" dirty="0"/>
+              <a:t>Terminator  </a:t>
+            </a:r>
+            <a:endParaRPr lang="en-US" sz="1600" dirty="0" smtClean="0"/>
+          </a:p>
+          <a:p>
+            <a:pPr marL="285750" indent="-285750">
+              <a:buFont typeface="Wingdings" pitchFamily="2" charset="2"/>
+              <a:buChar char="Ø"/>
+            </a:pPr>
+            <a:r>
+              <a:rPr lang="en-US" sz="1600" dirty="0" smtClean="0"/>
+              <a:t>Escape </a:t>
+            </a:r>
+            <a:r>
+              <a:rPr lang="en-US" sz="1600" dirty="0"/>
+              <a:t>from New </a:t>
+            </a:r>
+            <a:r>
+              <a:rPr lang="en-US" sz="1600" dirty="0" smtClean="0"/>
+              <a:t>York</a:t>
+            </a:r>
+          </a:p>
+          <a:p>
+            <a:pPr marL="285750" indent="-285750">
+              <a:buFont typeface="Wingdings" pitchFamily="2" charset="2"/>
+              <a:buChar char="Ø"/>
+            </a:pPr>
+            <a:r>
+              <a:rPr lang="en-US" sz="1600" dirty="0" smtClean="0"/>
+              <a:t>Escape </a:t>
+            </a:r>
+            <a:r>
+              <a:rPr lang="en-US" sz="1600" dirty="0"/>
+              <a:t>from the Planet of the Apes </a:t>
+            </a:r>
+            <a:endParaRPr lang="en-US" sz="1600" dirty="0" smtClean="0"/>
+          </a:p>
+          <a:p>
+            <a:pPr marL="285750" indent="-285750">
+              <a:buFont typeface="Wingdings" pitchFamily="2" charset="2"/>
+              <a:buChar char="Ø"/>
+            </a:pPr>
+            <a:r>
+              <a:rPr lang="en-US" sz="1600" dirty="0" smtClean="0"/>
+              <a:t>Battle </a:t>
+            </a:r>
+            <a:r>
+              <a:rPr lang="en-US" sz="1600" dirty="0"/>
+              <a:t>for the Planet of the </a:t>
+            </a:r>
+            <a:r>
+              <a:rPr lang="en-US" sz="1600" dirty="0" smtClean="0"/>
+              <a:t>Apes</a:t>
+            </a:r>
+          </a:p>
+          <a:p>
+            <a:pPr marL="285750" indent="-285750">
+              <a:buFont typeface="Wingdings" pitchFamily="2" charset="2"/>
+              <a:buChar char="Ø"/>
+            </a:pPr>
+            <a:r>
+              <a:rPr lang="en-US" sz="1600" dirty="0" smtClean="0"/>
+              <a:t>Conquest </a:t>
+            </a:r>
+            <a:r>
+              <a:rPr lang="en-US" sz="1600" dirty="0"/>
+              <a:t>of the Planet of the Apes </a:t>
+            </a:r>
+            <a:endParaRPr lang="fr-FR" sz="1600" dirty="0"/>
           </a:p>
         </p:txBody>
       </p:sp>
     </p:spTree>
     <p:extLst>
       <p:ext uri="{BB962C8B-B14F-4D97-AF65-F5344CB8AC3E}">
-        <p14:creationId xmlns:p14="http://schemas.microsoft.com/office/powerpoint/2010/main" val="3931257705"/>
+        <p14:creationId xmlns:p14="http://schemas.microsoft.com/office/powerpoint/2010/main" val="923478364"/>
       </p:ext>
     </p:extLst>
   </p:cSld>

--- a/Projet 3 - recomm. de films/Presentation-projet_3.pptx
+++ b/Projet 3 - recomm. de films/Presentation-projet_3.pptx
@@ -209,7 +209,7 @@
           <a:p>
             <a:fld id="{E66492E5-39EF-4EC5-9E99-7F0DBC26806B}" type="datetimeFigureOut">
               <a:rPr lang="fr-FR" smtClean="0"/>
-              <a:t>18/11/2017</a:t>
+              <a:t>19/11/2017</a:t>
             </a:fld>
             <a:endParaRPr lang="fr-FR"/>
           </a:p>
@@ -742,7 +742,7 @@
           <a:p>
             <a:fld id="{2A35F02A-33DF-42A4-9F54-2DFA5B84052E}" type="datetime1">
               <a:rPr lang="fr-FR" smtClean="0"/>
-              <a:t>18/11/2017</a:t>
+              <a:t>19/11/2017</a:t>
             </a:fld>
             <a:endParaRPr lang="fr-FR"/>
           </a:p>
@@ -916,7 +916,7 @@
           <a:p>
             <a:fld id="{AA7084F6-C923-4306-BC74-6AA1A26D5992}" type="datetime1">
               <a:rPr lang="fr-FR" smtClean="0"/>
-              <a:t>18/11/2017</a:t>
+              <a:t>19/11/2017</a:t>
             </a:fld>
             <a:endParaRPr lang="fr-FR"/>
           </a:p>
@@ -1100,7 +1100,7 @@
           <a:p>
             <a:fld id="{6B9DA1C8-56AA-40E0-92DC-CCF13B41CFF7}" type="datetime1">
               <a:rPr lang="fr-FR" smtClean="0"/>
-              <a:t>18/11/2017</a:t>
+              <a:t>19/11/2017</a:t>
             </a:fld>
             <a:endParaRPr lang="fr-FR"/>
           </a:p>
@@ -1274,7 +1274,7 @@
           <a:p>
             <a:fld id="{30547005-2CCE-4AAF-810C-C33FB4661996}" type="datetime1">
               <a:rPr lang="fr-FR" smtClean="0"/>
-              <a:t>18/11/2017</a:t>
+              <a:t>19/11/2017</a:t>
             </a:fld>
             <a:endParaRPr lang="fr-FR"/>
           </a:p>
@@ -1524,7 +1524,7 @@
           <a:p>
             <a:fld id="{3EBD0647-CE4F-4B82-BC14-997434234D2E}" type="datetime1">
               <a:rPr lang="fr-FR" smtClean="0"/>
-              <a:t>18/11/2017</a:t>
+              <a:t>19/11/2017</a:t>
             </a:fld>
             <a:endParaRPr lang="fr-FR"/>
           </a:p>
@@ -1816,7 +1816,7 @@
           <a:p>
             <a:fld id="{263CA1C6-1D15-44B1-8495-DE2EC5425D2F}" type="datetime1">
               <a:rPr lang="fr-FR" smtClean="0"/>
-              <a:t>18/11/2017</a:t>
+              <a:t>19/11/2017</a:t>
             </a:fld>
             <a:endParaRPr lang="fr-FR"/>
           </a:p>
@@ -2242,7 +2242,7 @@
           <a:p>
             <a:fld id="{5F86B07A-1301-4558-A6E0-D7A436826ECB}" type="datetime1">
               <a:rPr lang="fr-FR" smtClean="0"/>
-              <a:t>18/11/2017</a:t>
+              <a:t>19/11/2017</a:t>
             </a:fld>
             <a:endParaRPr lang="fr-FR"/>
           </a:p>
@@ -2364,7 +2364,7 @@
           <a:p>
             <a:fld id="{10CD6315-9A1E-41E9-BC28-33D394163B67}" type="datetime1">
               <a:rPr lang="fr-FR" smtClean="0"/>
-              <a:t>18/11/2017</a:t>
+              <a:t>19/11/2017</a:t>
             </a:fld>
             <a:endParaRPr lang="fr-FR"/>
           </a:p>
@@ -2463,7 +2463,7 @@
           <a:p>
             <a:fld id="{8EA7A85C-1960-4CA0-B72B-A39E81C20158}" type="datetime1">
               <a:rPr lang="fr-FR" smtClean="0"/>
-              <a:t>18/11/2017</a:t>
+              <a:t>19/11/2017</a:t>
             </a:fld>
             <a:endParaRPr lang="fr-FR"/>
           </a:p>
@@ -2744,7 +2744,7 @@
           <a:p>
             <a:fld id="{885A14C0-C539-4FC5-A6ED-ABABD975303B}" type="datetime1">
               <a:rPr lang="fr-FR" smtClean="0"/>
-              <a:t>18/11/2017</a:t>
+              <a:t>19/11/2017</a:t>
             </a:fld>
             <a:endParaRPr lang="fr-FR"/>
           </a:p>
@@ -3001,7 +3001,7 @@
           <a:p>
             <a:fld id="{D772F3C9-8121-4DF6-9420-FBC4A08EF57A}" type="datetime1">
               <a:rPr lang="fr-FR" smtClean="0"/>
-              <a:t>18/11/2017</a:t>
+              <a:t>19/11/2017</a:t>
             </a:fld>
             <a:endParaRPr lang="fr-FR"/>
           </a:p>
@@ -3239,7 +3239,7 @@
           <a:p>
             <a:fld id="{C13329EF-B01B-4D4B-83A1-AFBB7696C373}" type="datetime1">
               <a:rPr lang="fr-FR" smtClean="0"/>
-              <a:t>18/11/2017</a:t>
+              <a:t>19/11/2017</a:t>
             </a:fld>
             <a:endParaRPr lang="fr-FR"/>
           </a:p>
@@ -3729,7 +3729,7 @@
                   <a:srgbClr val="95023C"/>
                 </a:solidFill>
               </a:rPr>
-              <a:t>18/11/2017</a:t>
+              <a:t>19/11/2017</a:t>
             </a:fld>
             <a:endParaRPr lang="fr-FR" dirty="0">
               <a:solidFill>
@@ -5203,7 +5203,7 @@
         </p:nvSpPr>
         <p:spPr>
           <a:xfrm>
-            <a:off x="539552" y="4216439"/>
+            <a:off x="532643" y="4237409"/>
             <a:ext cx="4248472" cy="2092881"/>
           </a:xfrm>
           <a:prstGeom prst="rect">
@@ -6649,11 +6649,6 @@
               </a:rPr>
               <a:t>Récupération des n-pts les plus proche</a:t>
             </a:r>
-            <a:endParaRPr lang="fr-FR" dirty="0" smtClean="0">
-              <a:solidFill>
-                <a:srgbClr val="E8750C"/>
-              </a:solidFill>
-            </a:endParaRPr>
           </a:p>
         </p:txBody>
       </p:sp>
@@ -7707,11 +7702,6 @@
               </a:rPr>
               <a:t>TSNE</a:t>
             </a:r>
-            <a:endParaRPr lang="fr-FR" dirty="0" smtClean="0">
-              <a:solidFill>
-                <a:srgbClr val="E8750C"/>
-              </a:solidFill>
-            </a:endParaRPr>
           </a:p>
           <a:p>
             <a:pPr lvl="1">
@@ -8212,7 +8202,7 @@
           <a:p>
             <a:fld id="{30547005-2CCE-4AAF-810C-C33FB4661996}" type="datetime1">
               <a:rPr lang="fr-FR" smtClean="0"/>
-              <a:t>18/11/2017</a:t>
+              <a:t>19/11/2017</a:t>
             </a:fld>
             <a:endParaRPr lang="fr-FR"/>
           </a:p>
@@ -8327,7 +8317,7 @@
               <a:buChar char="Ø"/>
             </a:pPr>
             <a:r>
-              <a:rPr lang="fr-FR" dirty="0" smtClean="0">
+              <a:rPr lang="fr-FR" sz="2800" dirty="0" smtClean="0">
                 <a:solidFill>
                   <a:srgbClr val="E8750C"/>
                 </a:solidFill>
@@ -8341,7 +8331,7 @@
               <a:buChar char="Ø"/>
             </a:pPr>
             <a:r>
-              <a:rPr lang="fr-FR" dirty="0" err="1" smtClean="0">
+              <a:rPr lang="fr-FR" sz="2400" dirty="0" err="1" smtClean="0">
                 <a:solidFill>
                   <a:srgbClr val="E8750C"/>
                 </a:solidFill>
@@ -8349,7 +8339,7 @@
               <a:t>Color</a:t>
             </a:r>
             <a:r>
-              <a:rPr lang="fr-FR" dirty="0" smtClean="0">
+              <a:rPr lang="fr-FR" sz="2400" dirty="0" smtClean="0">
                 <a:solidFill>
                   <a:srgbClr val="E8750C"/>
                 </a:solidFill>
@@ -8363,7 +8353,7 @@
               <a:buChar char="Ø"/>
             </a:pPr>
             <a:r>
-              <a:rPr lang="fr-FR" dirty="0" err="1" smtClean="0">
+              <a:rPr lang="fr-FR" sz="2400" dirty="0" err="1" smtClean="0">
                 <a:solidFill>
                   <a:srgbClr val="E8750C"/>
                 </a:solidFill>
@@ -8371,7 +8361,7 @@
               <a:t>Critic</a:t>
             </a:r>
             <a:r>
-              <a:rPr lang="fr-FR" dirty="0" smtClean="0">
+              <a:rPr lang="fr-FR" sz="2400" dirty="0" smtClean="0">
                 <a:solidFill>
                   <a:srgbClr val="E8750C"/>
                 </a:solidFill>
@@ -8379,7 +8369,7 @@
               <a:t>/</a:t>
             </a:r>
             <a:r>
-              <a:rPr lang="fr-FR" dirty="0" err="1" smtClean="0">
+              <a:rPr lang="fr-FR" sz="2400" dirty="0" err="1" smtClean="0">
                 <a:solidFill>
                   <a:srgbClr val="E8750C"/>
                 </a:solidFill>
@@ -8387,7 +8377,7 @@
               <a:t>likes</a:t>
             </a:r>
             <a:r>
-              <a:rPr lang="fr-FR" dirty="0">
+              <a:rPr lang="fr-FR" sz="2400" dirty="0">
                 <a:solidFill>
                   <a:srgbClr val="E8750C"/>
                 </a:solidFill>
@@ -8395,7 +8385,7 @@
               <a:t>/"compte": </a:t>
             </a:r>
             <a:r>
-              <a:rPr lang="fr-FR" dirty="0" smtClean="0">
+              <a:rPr lang="fr-FR" sz="2400" dirty="0" smtClean="0">
                 <a:solidFill>
                   <a:srgbClr val="E8750C"/>
                 </a:solidFill>
@@ -8409,7 +8399,7 @@
               <a:buChar char="Ø"/>
             </a:pPr>
             <a:r>
-              <a:rPr lang="fr-FR" dirty="0" smtClean="0">
+              <a:rPr lang="fr-FR" sz="2400" dirty="0" smtClean="0">
                 <a:solidFill>
                   <a:srgbClr val="E8750C"/>
                 </a:solidFill>
@@ -8417,7 +8407,7 @@
               <a:t>Durée/vente/budget/</a:t>
             </a:r>
             <a:r>
-              <a:rPr lang="fr-FR" dirty="0" err="1" smtClean="0">
+              <a:rPr lang="fr-FR" sz="2400" dirty="0" err="1" smtClean="0">
                 <a:solidFill>
                   <a:srgbClr val="E8750C"/>
                 </a:solidFill>
@@ -8425,7 +8415,7 @@
               <a:t>year</a:t>
             </a:r>
             <a:r>
-              <a:rPr lang="fr-FR" dirty="0" smtClean="0">
+              <a:rPr lang="fr-FR" sz="2400" dirty="0" smtClean="0">
                 <a:solidFill>
                   <a:srgbClr val="E8750C"/>
                 </a:solidFill>
@@ -8439,7 +8429,7 @@
               <a:buChar char="Ø"/>
             </a:pPr>
             <a:r>
-              <a:rPr lang="fr-FR" dirty="0" smtClean="0">
+              <a:rPr lang="fr-FR" sz="2400" dirty="0" smtClean="0">
                 <a:solidFill>
                   <a:srgbClr val="E8750C"/>
                 </a:solidFill>
@@ -8453,7 +8443,7 @@
               <a:buChar char="Ø"/>
             </a:pPr>
             <a:r>
-              <a:rPr lang="fr-FR" dirty="0" smtClean="0">
+              <a:rPr lang="fr-FR" sz="2400" dirty="0" smtClean="0">
                 <a:solidFill>
                   <a:srgbClr val="E8750C"/>
                 </a:solidFill>
@@ -8491,7 +8481,7 @@
           <a:p>
             <a:fld id="{30547005-2CCE-4AAF-810C-C33FB4661996}" type="datetime1">
               <a:rPr lang="fr-FR" smtClean="0"/>
-              <a:t>18/11/2017</a:t>
+              <a:t>19/11/2017</a:t>
             </a:fld>
             <a:endParaRPr lang="fr-FR"/>
           </a:p>
@@ -8522,14 +8512,14 @@
       </p:sp>
       <p:pic>
         <p:nvPicPr>
-          <p:cNvPr id="5122" name="Picture 2" descr="F:\Nicolas\Documents\OpenClassRoom\Projet 3 - recomm. de films\country.png"/>
+          <p:cNvPr id="1026" name="Picture 2" descr="F:\Nicolas\Documents\OpenClassRoom\Projet 3 - recomm. de films\color.png"/>
           <p:cNvPicPr>
             <a:picLocks noChangeAspect="1" noChangeArrowheads="1"/>
           </p:cNvPicPr>
           <p:nvPr/>
         </p:nvPicPr>
         <p:blipFill>
-          <a:blip r:embed="rId2">
+          <a:blip r:embed="rId2" cstate="print">
             <a:clrChange>
               <a:clrFrom>
                 <a:srgbClr val="FFFFFF"/>
@@ -8553,8 +8543,110 @@
         </p:blipFill>
         <p:spPr bwMode="auto">
           <a:xfrm>
-            <a:off x="4761012" y="4077072"/>
-            <a:ext cx="4353644" cy="2902849"/>
+            <a:off x="603373" y="4422710"/>
+            <a:ext cx="3392563" cy="2035538"/>
+          </a:xfrm>
+          <a:prstGeom prst="rect">
+            <a:avLst/>
+          </a:prstGeom>
+          <a:noFill/>
+          <a:extLst>
+            <a:ext uri="{909E8E84-426E-40DD-AFC4-6F175D3DCCD1}">
+              <a14:hiddenFill xmlns:a14="http://schemas.microsoft.com/office/drawing/2010/main">
+                <a:solidFill>
+                  <a:srgbClr val="FFFFFF"/>
+                </a:solidFill>
+              </a14:hiddenFill>
+            </a:ext>
+          </a:extLst>
+        </p:spPr>
+      </p:pic>
+      <p:pic>
+        <p:nvPicPr>
+          <p:cNvPr id="1027" name="Picture 3" descr="F:\Nicolas\Documents\OpenClassRoom\Projet 3 - recomm. de films\language.png"/>
+          <p:cNvPicPr>
+            <a:picLocks noChangeAspect="1" noChangeArrowheads="1"/>
+          </p:cNvPicPr>
+          <p:nvPr/>
+        </p:nvPicPr>
+        <p:blipFill>
+          <a:blip r:embed="rId3">
+            <a:clrChange>
+              <a:clrFrom>
+                <a:srgbClr val="FFFFFF"/>
+              </a:clrFrom>
+              <a:clrTo>
+                <a:srgbClr val="FFFFFF">
+                  <a:alpha val="0"/>
+                </a:srgbClr>
+              </a:clrTo>
+            </a:clrChange>
+            <a:extLst>
+              <a:ext uri="{28A0092B-C50C-407E-A947-70E740481C1C}">
+                <a14:useLocalDpi xmlns:a14="http://schemas.microsoft.com/office/drawing/2010/main" val="0"/>
+              </a:ext>
+            </a:extLst>
+          </a:blip>
+          <a:srcRect/>
+          <a:stretch>
+            <a:fillRect/>
+          </a:stretch>
+        </p:blipFill>
+        <p:spPr bwMode="auto">
+          <a:xfrm>
+            <a:off x="3690058" y="4576627"/>
+            <a:ext cx="2706663" cy="1804702"/>
+          </a:xfrm>
+          <a:prstGeom prst="rect">
+            <a:avLst/>
+          </a:prstGeom>
+          <a:noFill/>
+          <a:extLst>
+            <a:ext uri="{909E8E84-426E-40DD-AFC4-6F175D3DCCD1}">
+              <a14:hiddenFill xmlns:a14="http://schemas.microsoft.com/office/drawing/2010/main">
+                <a:solidFill>
+                  <a:srgbClr val="FFFFFF"/>
+                </a:solidFill>
+              </a14:hiddenFill>
+            </a:ext>
+          </a:extLst>
+        </p:spPr>
+      </p:pic>
+      <p:pic>
+        <p:nvPicPr>
+          <p:cNvPr id="1028" name="Picture 4" descr="F:\Nicolas\Documents\OpenClassRoom\Projet 3 - recomm. de films\country.png"/>
+          <p:cNvPicPr>
+            <a:picLocks noChangeAspect="1" noChangeArrowheads="1"/>
+          </p:cNvPicPr>
+          <p:nvPr/>
+        </p:nvPicPr>
+        <p:blipFill>
+          <a:blip r:embed="rId4">
+            <a:clrChange>
+              <a:clrFrom>
+                <a:srgbClr val="FFFFFF"/>
+              </a:clrFrom>
+              <a:clrTo>
+                <a:srgbClr val="FFFFFF">
+                  <a:alpha val="0"/>
+                </a:srgbClr>
+              </a:clrTo>
+            </a:clrChange>
+            <a:extLst>
+              <a:ext uri="{28A0092B-C50C-407E-A947-70E740481C1C}">
+                <a14:useLocalDpi xmlns:a14="http://schemas.microsoft.com/office/drawing/2010/main" val="0"/>
+              </a:ext>
+            </a:extLst>
+          </a:blip>
+          <a:srcRect/>
+          <a:stretch>
+            <a:fillRect/>
+          </a:stretch>
+        </p:blipFill>
+        <p:spPr bwMode="auto">
+          <a:xfrm>
+            <a:off x="6329834" y="4576627"/>
+            <a:ext cx="2706662" cy="1804701"/>
           </a:xfrm>
           <a:prstGeom prst="rect">
             <a:avLst/>
@@ -8662,7 +8754,23 @@
                   <a:srgbClr val="E8750C"/>
                 </a:solidFill>
               </a:rPr>
-              <a:t>Phase 1 : Simplification</a:t>
+              <a:t>Phase </a:t>
+            </a:r>
+            <a:r>
+              <a:rPr lang="fr-FR" dirty="0" smtClean="0">
+                <a:solidFill>
+                  <a:srgbClr val="E8750C"/>
+                </a:solidFill>
+              </a:rPr>
+              <a:t>2 </a:t>
+            </a:r>
+            <a:r>
+              <a:rPr lang="fr-FR" dirty="0" smtClean="0">
+                <a:solidFill>
+                  <a:srgbClr val="E8750C"/>
+                </a:solidFill>
+              </a:rPr>
+              <a:t>: Simplification</a:t>
             </a:r>
           </a:p>
           <a:p>
@@ -8781,7 +8889,7 @@
           <a:p>
             <a:fld id="{30547005-2CCE-4AAF-810C-C33FB4661996}" type="datetime1">
               <a:rPr lang="fr-FR" smtClean="0"/>
-              <a:t>18/11/2017</a:t>
+              <a:t>19/11/2017</a:t>
             </a:fld>
             <a:endParaRPr lang="fr-FR"/>
           </a:p>
@@ -8989,7 +9097,7 @@
         <p:spPr/>
         <p:txBody>
           <a:bodyPr>
-            <a:normAutofit/>
+            <a:normAutofit fontScale="92500"/>
           </a:bodyPr>
           <a:lstStyle/>
           <a:p>
@@ -9003,7 +9111,23 @@
                   <a:srgbClr val="E8750C"/>
                 </a:solidFill>
               </a:rPr>
-              <a:t>Phase 2.1 : Suppression </a:t>
+              <a:t>Phase </a:t>
+            </a:r>
+            <a:r>
+              <a:rPr lang="fr-FR" dirty="0" smtClean="0">
+                <a:solidFill>
+                  <a:srgbClr val="E8750C"/>
+                </a:solidFill>
+              </a:rPr>
+              <a:t>3.1 </a:t>
+            </a:r>
+            <a:r>
+              <a:rPr lang="fr-FR" dirty="0" smtClean="0">
+                <a:solidFill>
+                  <a:srgbClr val="E8750C"/>
+                </a:solidFill>
+              </a:rPr>
+              <a:t>: Suppression </a:t>
             </a:r>
             <a:r>
               <a:rPr lang="fr-FR" dirty="0" err="1" smtClean="0">
@@ -9089,6 +9213,68 @@
             </a:endParaRPr>
           </a:p>
           <a:p>
+            <a:pPr lvl="1">
+              <a:buFont typeface="Wingdings" pitchFamily="2" charset="2"/>
+              <a:buChar char="Ø"/>
+            </a:pPr>
+            <a:r>
+              <a:rPr lang="fr-FR" dirty="0" smtClean="0">
+                <a:solidFill>
+                  <a:srgbClr val="E8750C"/>
+                </a:solidFill>
+              </a:rPr>
+              <a:t>Après test (</a:t>
+            </a:r>
+            <a:r>
+              <a:rPr lang="fr-FR" dirty="0" err="1" smtClean="0">
+                <a:solidFill>
+                  <a:srgbClr val="E8750C"/>
+                </a:solidFill>
+              </a:rPr>
+              <a:t>color</a:t>
+            </a:r>
+            <a:r>
+              <a:rPr lang="fr-FR" dirty="0" smtClean="0">
+                <a:solidFill>
+                  <a:srgbClr val="E8750C"/>
+                </a:solidFill>
+              </a:rPr>
+              <a:t>, </a:t>
+            </a:r>
+            <a:r>
+              <a:rPr lang="fr-FR" dirty="0" err="1" smtClean="0">
+                <a:solidFill>
+                  <a:srgbClr val="E8750C"/>
+                </a:solidFill>
+              </a:rPr>
+              <a:t>num_critic</a:t>
+            </a:r>
+            <a:r>
+              <a:rPr lang="fr-FR" dirty="0" smtClean="0">
+                <a:solidFill>
+                  <a:srgbClr val="E8750C"/>
+                </a:solidFill>
+              </a:rPr>
+              <a:t>, </a:t>
+            </a:r>
+            <a:r>
+              <a:rPr lang="fr-FR" dirty="0" err="1" smtClean="0">
+                <a:solidFill>
+                  <a:srgbClr val="E8750C"/>
+                </a:solidFill>
+              </a:rPr>
+              <a:t>num_user</a:t>
+            </a:r>
+            <a:r>
+              <a:rPr lang="fr-FR" dirty="0" smtClean="0">
+                <a:solidFill>
+                  <a:srgbClr val="E8750C"/>
+                </a:solidFill>
+              </a:rPr>
+              <a:t>, budget, …)</a:t>
+            </a:r>
+          </a:p>
+          <a:p>
             <a:pPr>
               <a:buFont typeface="Wingdings" pitchFamily="2" charset="2"/>
               <a:buChar char="Ø"/>
@@ -9107,7 +9293,15 @@
                   <a:srgbClr val="E8750C"/>
                 </a:solidFill>
               </a:rPr>
-              <a:t>2.2 : Suppression Films</a:t>
+              <a:t>3.2 </a:t>
+            </a:r>
+            <a:r>
+              <a:rPr lang="fr-FR" dirty="0" smtClean="0">
+                <a:solidFill>
+                  <a:srgbClr val="E8750C"/>
+                </a:solidFill>
+              </a:rPr>
+              <a:t>: Suppression Films</a:t>
             </a:r>
           </a:p>
           <a:p>
@@ -9202,7 +9396,7 @@
           <a:p>
             <a:fld id="{30547005-2CCE-4AAF-810C-C33FB4661996}" type="datetime1">
               <a:rPr lang="fr-FR" smtClean="0"/>
-              <a:t>18/11/2017</a:t>
+              <a:t>19/11/2017</a:t>
             </a:fld>
             <a:endParaRPr lang="fr-FR"/>
           </a:p>
@@ -9373,7 +9567,23 @@
                   <a:srgbClr val="E8750C"/>
                 </a:solidFill>
               </a:rPr>
-              <a:t>Phase 3 : Encodage/Clean</a:t>
+              <a:t>Phase </a:t>
+            </a:r>
+            <a:r>
+              <a:rPr lang="fr-FR" dirty="0" smtClean="0">
+                <a:solidFill>
+                  <a:srgbClr val="E8750C"/>
+                </a:solidFill>
+              </a:rPr>
+              <a:t>4 </a:t>
+            </a:r>
+            <a:r>
+              <a:rPr lang="fr-FR" dirty="0" smtClean="0">
+                <a:solidFill>
+                  <a:srgbClr val="E8750C"/>
+                </a:solidFill>
+              </a:rPr>
+              <a:t>: Encodage/Clean</a:t>
             </a:r>
           </a:p>
           <a:p>
@@ -9510,7 +9720,7 @@
           <a:p>
             <a:fld id="{30547005-2CCE-4AAF-810C-C33FB4661996}" type="datetime1">
               <a:rPr lang="fr-FR" smtClean="0"/>
-              <a:t>18/11/2017</a:t>
+              <a:t>19/11/2017</a:t>
             </a:fld>
             <a:endParaRPr lang="fr-FR"/>
           </a:p>
@@ -9703,11 +9913,6 @@
               </a:rPr>
               <a:t>A fournir</a:t>
             </a:r>
-            <a:endParaRPr lang="fr-FR" sz="2000" dirty="0" smtClean="0">
-              <a:solidFill>
-                <a:srgbClr val="E8750C"/>
-              </a:solidFill>
-            </a:endParaRPr>
           </a:p>
           <a:p>
             <a:pPr lvl="1">
@@ -9736,11 +9941,6 @@
               </a:rPr>
               <a:t>Recommander possible</a:t>
             </a:r>
-            <a:endParaRPr lang="fr-FR" sz="2000" dirty="0" smtClean="0">
-              <a:solidFill>
-                <a:srgbClr val="E8750C"/>
-              </a:solidFill>
-            </a:endParaRPr>
           </a:p>
           <a:p>
             <a:pPr lvl="1">
